--- a/Angular JS Training.pptx
+++ b/Angular JS Training.pptx
@@ -22,6 +22,11 @@
     <p:sldId id="267" r:id="rId16"/>
     <p:sldId id="263" r:id="rId17"/>
     <p:sldId id="273" r:id="rId18"/>
+    <p:sldId id="274" r:id="rId19"/>
+    <p:sldId id="276" r:id="rId20"/>
+    <p:sldId id="275" r:id="rId21"/>
+    <p:sldId id="277" r:id="rId22"/>
+    <p:sldId id="280" r:id="rId23"/>
   </p:sldIdLst>
   <p:sldSz cx="9144000" cy="6858000" type="screen4x3"/>
   <p:notesSz cx="6858000" cy="9144000"/>
@@ -311,7 +316,7 @@
             <a:fld id="{1D8BD707-D9CF-40AE-B4C6-C98DA3205C09}" type="datetimeFigureOut">
               <a:rPr lang="en-US" smtClean="0"/>
               <a:pPr/>
-              <a:t>3/10/2017</a:t>
+              <a:t>3/16/2017</a:t>
             </a:fld>
             <a:endParaRPr lang="en-US"/>
           </a:p>
@@ -483,7 +488,7 @@
             <a:fld id="{1D8BD707-D9CF-40AE-B4C6-C98DA3205C09}" type="datetimeFigureOut">
               <a:rPr lang="en-US" smtClean="0"/>
               <a:pPr/>
-              <a:t>3/10/2017</a:t>
+              <a:t>3/16/2017</a:t>
             </a:fld>
             <a:endParaRPr lang="en-US"/>
           </a:p>
@@ -660,7 +665,7 @@
             <a:fld id="{1D8BD707-D9CF-40AE-B4C6-C98DA3205C09}" type="datetimeFigureOut">
               <a:rPr lang="en-US" smtClean="0"/>
               <a:pPr/>
-              <a:t>3/10/2017</a:t>
+              <a:t>3/16/2017</a:t>
             </a:fld>
             <a:endParaRPr lang="en-US"/>
           </a:p>
@@ -864,7 +869,7 @@
             <a:fld id="{1D8BD707-D9CF-40AE-B4C6-C98DA3205C09}" type="datetimeFigureOut">
               <a:rPr lang="en-US" smtClean="0"/>
               <a:pPr/>
-              <a:t>3/10/2017</a:t>
+              <a:t>3/16/2017</a:t>
             </a:fld>
             <a:endParaRPr lang="en-US"/>
           </a:p>
@@ -1109,7 +1114,7 @@
             <a:fld id="{1D8BD707-D9CF-40AE-B4C6-C98DA3205C09}" type="datetimeFigureOut">
               <a:rPr lang="en-US" smtClean="0"/>
               <a:pPr/>
-              <a:t>3/10/2017</a:t>
+              <a:t>3/16/2017</a:t>
             </a:fld>
             <a:endParaRPr lang="en-US"/>
           </a:p>
@@ -1421,7 +1426,7 @@
             <a:fld id="{1D8BD707-D9CF-40AE-B4C6-C98DA3205C09}" type="datetimeFigureOut">
               <a:rPr lang="en-US" smtClean="0"/>
               <a:pPr/>
-              <a:t>3/10/2017</a:t>
+              <a:t>3/16/2017</a:t>
             </a:fld>
             <a:endParaRPr lang="en-US"/>
           </a:p>
@@ -1866,7 +1871,7 @@
             <a:fld id="{1D8BD707-D9CF-40AE-B4C6-C98DA3205C09}" type="datetimeFigureOut">
               <a:rPr lang="en-US" smtClean="0"/>
               <a:pPr/>
-              <a:t>3/10/2017</a:t>
+              <a:t>3/16/2017</a:t>
             </a:fld>
             <a:endParaRPr lang="en-US"/>
           </a:p>
@@ -1981,7 +1986,7 @@
             <a:fld id="{1D8BD707-D9CF-40AE-B4C6-C98DA3205C09}" type="datetimeFigureOut">
               <a:rPr lang="en-US" smtClean="0"/>
               <a:pPr/>
-              <a:t>3/10/2017</a:t>
+              <a:t>3/16/2017</a:t>
             </a:fld>
             <a:endParaRPr lang="en-US"/>
           </a:p>
@@ -2073,7 +2078,7 @@
             <a:fld id="{1D8BD707-D9CF-40AE-B4C6-C98DA3205C09}" type="datetimeFigureOut">
               <a:rPr lang="en-US" smtClean="0"/>
               <a:pPr/>
-              <a:t>3/10/2017</a:t>
+              <a:t>3/16/2017</a:t>
             </a:fld>
             <a:endParaRPr lang="en-US"/>
           </a:p>
@@ -2360,7 +2365,7 @@
             <a:fld id="{1D8BD707-D9CF-40AE-B4C6-C98DA3205C09}" type="datetimeFigureOut">
               <a:rPr lang="en-US" smtClean="0"/>
               <a:pPr/>
-              <a:t>3/10/2017</a:t>
+              <a:t>3/16/2017</a:t>
             </a:fld>
             <a:endParaRPr lang="en-US"/>
           </a:p>
@@ -2553,7 +2558,7 @@
             <a:fld id="{1D8BD707-D9CF-40AE-B4C6-C98DA3205C09}" type="datetimeFigureOut">
               <a:rPr lang="en-US" smtClean="0"/>
               <a:pPr/>
-              <a:t>3/10/2017</a:t>
+              <a:t>3/16/2017</a:t>
             </a:fld>
             <a:endParaRPr lang="en-US"/>
           </a:p>
@@ -23055,7 +23060,7 @@
             <a:fld id="{1D8BD707-D9CF-40AE-B4C6-C98DA3205C09}" type="datetimeFigureOut">
               <a:rPr lang="en-US" smtClean="0"/>
               <a:pPr/>
-              <a:t>3/10/2017</a:t>
+              <a:t>3/16/2017</a:t>
             </a:fld>
             <a:endParaRPr lang="en-US"/>
           </a:p>
@@ -25984,6 +25989,225 @@
 </p:sld>
 </file>
 
+<file path=ppt/slides/slide18.xml><?xml version="1.0" encoding="utf-8"?>
+<p:sld xmlns:a="http://schemas.openxmlformats.org/drawingml/2006/main" xmlns:r="http://schemas.openxmlformats.org/officeDocument/2006/relationships" xmlns:p="http://schemas.openxmlformats.org/presentationml/2006/main">
+  <p:cSld>
+    <p:spTree>
+      <p:nvGrpSpPr>
+        <p:cNvPr id="1" name=""/>
+        <p:cNvGrpSpPr/>
+        <p:nvPr/>
+      </p:nvGrpSpPr>
+      <p:grpSpPr>
+        <a:xfrm>
+          <a:off x="0" y="0"/>
+          <a:ext cx="0" cy="0"/>
+          <a:chOff x="0" y="0"/>
+          <a:chExt cx="0" cy="0"/>
+        </a:xfrm>
+      </p:grpSpPr>
+      <p:sp>
+        <p:nvSpPr>
+          <p:cNvPr id="2" name="Title 1"/>
+          <p:cNvSpPr>
+            <a:spLocks noGrp="1"/>
+          </p:cNvSpPr>
+          <p:nvPr>
+            <p:ph type="title"/>
+          </p:nvPr>
+        </p:nvSpPr>
+        <p:spPr>
+          <a:xfrm>
+            <a:off x="1009442" y="381000"/>
+            <a:ext cx="7125113" cy="924475"/>
+          </a:xfrm>
+        </p:spPr>
+        <p:txBody>
+          <a:bodyPr/>
+          <a:lstStyle/>
+          <a:p>
+            <a:r>
+              <a:rPr lang="en-US" dirty="0" smtClean="0"/>
+              <a:t>Day </a:t>
+            </a:r>
+            <a:r>
+              <a:rPr lang="en-US" dirty="0" smtClean="0"/>
+              <a:t>4</a:t>
+            </a:r>
+            <a:endParaRPr lang="en-US" dirty="0"/>
+          </a:p>
+        </p:txBody>
+      </p:sp>
+      <p:sp>
+        <p:nvSpPr>
+          <p:cNvPr id="3" name="Content Placeholder 2"/>
+          <p:cNvSpPr>
+            <a:spLocks noGrp="1"/>
+          </p:cNvSpPr>
+          <p:nvPr>
+            <p:ph idx="1"/>
+          </p:nvPr>
+        </p:nvSpPr>
+        <p:spPr>
+          <a:xfrm>
+            <a:off x="990600" y="1371600"/>
+            <a:ext cx="7125112" cy="4876799"/>
+          </a:xfrm>
+        </p:spPr>
+        <p:txBody>
+          <a:bodyPr>
+            <a:normAutofit/>
+          </a:bodyPr>
+          <a:lstStyle/>
+          <a:p>
+            <a:r>
+              <a:rPr lang="en-US" sz="2800" dirty="0" smtClean="0"/>
+              <a:t>Directives</a:t>
+            </a:r>
+          </a:p>
+          <a:p>
+            <a:r>
+              <a:rPr lang="en-US" sz="2800" dirty="0" smtClean="0"/>
+              <a:t>Providers</a:t>
+            </a:r>
+          </a:p>
+          <a:p>
+            <a:r>
+              <a:rPr lang="en-US" sz="2800" dirty="0" smtClean="0"/>
+              <a:t>Angular promises ($q)</a:t>
+            </a:r>
+            <a:endParaRPr lang="en-US" sz="2800" dirty="0"/>
+          </a:p>
+        </p:txBody>
+      </p:sp>
+    </p:spTree>
+    <p:extLst>
+      <p:ext uri="{BB962C8B-B14F-4D97-AF65-F5344CB8AC3E}">
+        <p14:creationId xmlns:p14="http://schemas.microsoft.com/office/powerpoint/2010/main" val="2222246932"/>
+      </p:ext>
+    </p:extLst>
+  </p:cSld>
+  <p:clrMapOvr>
+    <a:masterClrMapping/>
+  </p:clrMapOvr>
+  <p:timing>
+    <p:tnLst>
+      <p:par>
+        <p:cTn id="1" dur="indefinite" restart="never" nodeType="tmRoot"/>
+      </p:par>
+    </p:tnLst>
+  </p:timing>
+</p:sld>
+</file>
+
+<file path=ppt/slides/slide19.xml><?xml version="1.0" encoding="utf-8"?>
+<p:sld xmlns:a="http://schemas.openxmlformats.org/drawingml/2006/main" xmlns:r="http://schemas.openxmlformats.org/officeDocument/2006/relationships" xmlns:p="http://schemas.openxmlformats.org/presentationml/2006/main">
+  <p:cSld>
+    <p:spTree>
+      <p:nvGrpSpPr>
+        <p:cNvPr id="1" name=""/>
+        <p:cNvGrpSpPr/>
+        <p:nvPr/>
+      </p:nvGrpSpPr>
+      <p:grpSpPr>
+        <a:xfrm>
+          <a:off x="0" y="0"/>
+          <a:ext cx="0" cy="0"/>
+          <a:chOff x="0" y="0"/>
+          <a:chExt cx="0" cy="0"/>
+        </a:xfrm>
+      </p:grpSpPr>
+      <p:sp>
+        <p:nvSpPr>
+          <p:cNvPr id="2" name="Title 1"/>
+          <p:cNvSpPr>
+            <a:spLocks noGrp="1"/>
+          </p:cNvSpPr>
+          <p:nvPr>
+            <p:ph type="title"/>
+          </p:nvPr>
+        </p:nvSpPr>
+        <p:spPr/>
+        <p:txBody>
+          <a:bodyPr/>
+          <a:lstStyle/>
+          <a:p>
+            <a:r>
+              <a:rPr lang="en-US" dirty="0"/>
+              <a:t>Directives</a:t>
+            </a:r>
+          </a:p>
+        </p:txBody>
+      </p:sp>
+      <p:sp>
+        <p:nvSpPr>
+          <p:cNvPr id="3" name="Content Placeholder 2"/>
+          <p:cNvSpPr>
+            <a:spLocks noGrp="1"/>
+          </p:cNvSpPr>
+          <p:nvPr>
+            <p:ph idx="1"/>
+          </p:nvPr>
+        </p:nvSpPr>
+        <p:spPr>
+          <a:xfrm>
+            <a:off x="1009443" y="1371600"/>
+            <a:ext cx="7125112" cy="4051437"/>
+          </a:xfrm>
+        </p:spPr>
+        <p:txBody>
+          <a:bodyPr>
+            <a:normAutofit/>
+          </a:bodyPr>
+          <a:lstStyle/>
+          <a:p>
+            <a:pPr marL="0" indent="0">
+              <a:buNone/>
+            </a:pPr>
+            <a:r>
+              <a:rPr lang="en-US" sz="2400" dirty="0"/>
+              <a:t>Directives are one of the most powerful components of AngularJS, helping you extend basic HTML elements/attributes and create </a:t>
+            </a:r>
+            <a:r>
+              <a:rPr lang="en-US" sz="2400" i="1" dirty="0"/>
+              <a:t>reusable</a:t>
+            </a:r>
+            <a:r>
+              <a:rPr lang="en-US" sz="2400" dirty="0"/>
+              <a:t> and </a:t>
+            </a:r>
+            <a:r>
+              <a:rPr lang="en-US" sz="2400" i="1" dirty="0"/>
+              <a:t>testable</a:t>
+            </a:r>
+            <a:r>
+              <a:rPr lang="en-US" sz="2400" dirty="0"/>
+              <a:t> code.</a:t>
+            </a:r>
+            <a:endParaRPr lang="en-US" sz="2400" dirty="0"/>
+          </a:p>
+        </p:txBody>
+      </p:sp>
+    </p:spTree>
+    <p:extLst>
+      <p:ext uri="{BB962C8B-B14F-4D97-AF65-F5344CB8AC3E}">
+        <p14:creationId xmlns:p14="http://schemas.microsoft.com/office/powerpoint/2010/main" val="2181598444"/>
+      </p:ext>
+    </p:extLst>
+  </p:cSld>
+  <p:clrMapOvr>
+    <a:masterClrMapping/>
+  </p:clrMapOvr>
+  <p:timing>
+    <p:tnLst>
+      <p:par>
+        <p:cTn id="1" dur="indefinite" restart="never" nodeType="tmRoot"/>
+      </p:par>
+    </p:tnLst>
+  </p:timing>
+</p:sld>
+</file>
+
 <file path=ppt/slides/slide2.xml><?xml version="1.0" encoding="utf-8"?>
 <p:sld xmlns:a="http://schemas.openxmlformats.org/drawingml/2006/main" xmlns:r="http://schemas.openxmlformats.org/officeDocument/2006/relationships" xmlns:p="http://schemas.openxmlformats.org/presentationml/2006/main">
   <p:cSld>
@@ -26078,6 +26302,529 @@
       </p:par>
     </p:tnLst>
   </p:timing>
+</p:sld>
+</file>
+
+<file path=ppt/slides/slide20.xml><?xml version="1.0" encoding="utf-8"?>
+<p:sld xmlns:a="http://schemas.openxmlformats.org/drawingml/2006/main" xmlns:r="http://schemas.openxmlformats.org/officeDocument/2006/relationships" xmlns:p="http://schemas.openxmlformats.org/presentationml/2006/main">
+  <p:cSld>
+    <p:spTree>
+      <p:nvGrpSpPr>
+        <p:cNvPr id="1" name=""/>
+        <p:cNvGrpSpPr/>
+        <p:nvPr/>
+      </p:nvGrpSpPr>
+      <p:grpSpPr>
+        <a:xfrm>
+          <a:off x="0" y="0"/>
+          <a:ext cx="0" cy="0"/>
+          <a:chOff x="0" y="0"/>
+          <a:chExt cx="0" cy="0"/>
+        </a:xfrm>
+      </p:grpSpPr>
+      <p:sp>
+        <p:nvSpPr>
+          <p:cNvPr id="2" name="Title 1"/>
+          <p:cNvSpPr>
+            <a:spLocks noGrp="1"/>
+          </p:cNvSpPr>
+          <p:nvPr>
+            <p:ph type="title"/>
+          </p:nvPr>
+        </p:nvSpPr>
+        <p:spPr/>
+        <p:txBody>
+          <a:bodyPr/>
+          <a:lstStyle/>
+          <a:p>
+            <a:r>
+              <a:rPr lang="en-US" dirty="0" smtClean="0"/>
+              <a:t>Directives</a:t>
+            </a:r>
+            <a:endParaRPr lang="en-US" dirty="0"/>
+          </a:p>
+        </p:txBody>
+      </p:sp>
+      <p:sp>
+        <p:nvSpPr>
+          <p:cNvPr id="3" name="Content Placeholder 2"/>
+          <p:cNvSpPr>
+            <a:spLocks noGrp="1"/>
+          </p:cNvSpPr>
+          <p:nvPr>
+            <p:ph idx="1"/>
+          </p:nvPr>
+        </p:nvSpPr>
+        <p:spPr>
+          <a:xfrm>
+            <a:off x="1009443" y="2196963"/>
+            <a:ext cx="7125112" cy="4051437"/>
+          </a:xfrm>
+        </p:spPr>
+        <p:txBody>
+          <a:bodyPr>
+            <a:normAutofit/>
+          </a:bodyPr>
+          <a:lstStyle/>
+          <a:p>
+            <a:r>
+              <a:rPr lang="en-US" sz="2000" dirty="0"/>
+              <a:t>A new HTML element </a:t>
+            </a:r>
+            <a:endParaRPr lang="en-US" sz="2000" dirty="0" smtClean="0"/>
+          </a:p>
+          <a:p>
+            <a:pPr marL="457200" lvl="1" indent="0">
+              <a:buNone/>
+            </a:pPr>
+            <a:r>
+              <a:rPr lang="en-US" sz="1800" b="1" dirty="0" smtClean="0">
+                <a:solidFill>
+                  <a:srgbClr val="FFFF00"/>
+                </a:solidFill>
+              </a:rPr>
+              <a:t>&lt;</a:t>
+            </a:r>
+            <a:r>
+              <a:rPr lang="en-US" sz="1800" b="1" dirty="0">
+                <a:solidFill>
+                  <a:srgbClr val="FFFF00"/>
+                </a:solidFill>
+              </a:rPr>
+              <a:t>date-picker&gt;&lt;/</a:t>
+            </a:r>
+            <a:r>
+              <a:rPr lang="en-US" sz="1800" b="1" dirty="0" smtClean="0">
+                <a:solidFill>
+                  <a:srgbClr val="FFFF00"/>
+                </a:solidFill>
+              </a:rPr>
+              <a:t>date-picker&gt;</a:t>
+            </a:r>
+            <a:endParaRPr lang="en-US" sz="1800" b="1" dirty="0">
+              <a:solidFill>
+                <a:srgbClr val="FFFF00"/>
+              </a:solidFill>
+            </a:endParaRPr>
+          </a:p>
+          <a:p>
+            <a:r>
+              <a:rPr lang="en-US" sz="2000" dirty="0"/>
+              <a:t>An attribute on an element </a:t>
+            </a:r>
+            <a:endParaRPr lang="en-US" sz="2000" dirty="0" smtClean="0"/>
+          </a:p>
+          <a:p>
+            <a:pPr marL="457200" lvl="1" indent="0">
+              <a:buNone/>
+            </a:pPr>
+            <a:r>
+              <a:rPr lang="en-US" sz="1800" b="1" dirty="0">
+                <a:solidFill>
+                  <a:srgbClr val="FFFF00"/>
+                </a:solidFill>
+              </a:rPr>
+              <a:t>&lt;</a:t>
+            </a:r>
+            <a:r>
+              <a:rPr lang="en-US" sz="1800" b="1" dirty="0">
+                <a:solidFill>
+                  <a:srgbClr val="FFFF00"/>
+                </a:solidFill>
+              </a:rPr>
+              <a:t>input type="text" date-picker</a:t>
+            </a:r>
+            <a:r>
+              <a:rPr lang="en-US" sz="1800" b="1" dirty="0">
+                <a:solidFill>
+                  <a:srgbClr val="FFFF00"/>
+                </a:solidFill>
+              </a:rPr>
+              <a:t>/&gt;</a:t>
+            </a:r>
+            <a:endParaRPr lang="en-US" sz="1800" b="1" dirty="0">
+              <a:solidFill>
+                <a:srgbClr val="FFFF00"/>
+              </a:solidFill>
+            </a:endParaRPr>
+          </a:p>
+          <a:p>
+            <a:r>
+              <a:rPr lang="en-US" sz="2000" dirty="0"/>
+              <a:t>As a class </a:t>
+            </a:r>
+            <a:endParaRPr lang="en-US" sz="2000" dirty="0" smtClean="0"/>
+          </a:p>
+          <a:p>
+            <a:pPr marL="457200" lvl="1" indent="0">
+              <a:buNone/>
+            </a:pPr>
+            <a:r>
+              <a:rPr lang="en-US" sz="1800" b="1" dirty="0">
+                <a:solidFill>
+                  <a:srgbClr val="FFFF00"/>
+                </a:solidFill>
+              </a:rPr>
+              <a:t>&lt;</a:t>
+            </a:r>
+            <a:r>
+              <a:rPr lang="en-US" sz="1800" b="1" dirty="0">
+                <a:solidFill>
+                  <a:srgbClr val="FFFF00"/>
+                </a:solidFill>
+              </a:rPr>
+              <a:t>input type="text" class="date-picker</a:t>
+            </a:r>
+            <a:r>
+              <a:rPr lang="en-US" sz="1800" b="1" dirty="0">
+                <a:solidFill>
+                  <a:srgbClr val="FFFF00"/>
+                </a:solidFill>
+              </a:rPr>
+              <a:t>"/&gt;</a:t>
+            </a:r>
+            <a:endParaRPr lang="en-US" sz="1800" b="1" dirty="0">
+              <a:solidFill>
+                <a:srgbClr val="FFFF00"/>
+              </a:solidFill>
+            </a:endParaRPr>
+          </a:p>
+          <a:p>
+            <a:r>
+              <a:rPr lang="en-US" sz="2000" dirty="0"/>
+              <a:t>As comment </a:t>
+            </a:r>
+            <a:endParaRPr lang="en-US" sz="2000" dirty="0" smtClean="0"/>
+          </a:p>
+          <a:p>
+            <a:pPr marL="457200" lvl="1" indent="0">
+              <a:buNone/>
+            </a:pPr>
+            <a:r>
+              <a:rPr lang="en-US" sz="1800" b="1" dirty="0">
+                <a:solidFill>
+                  <a:srgbClr val="FFFF00"/>
+                </a:solidFill>
+              </a:rPr>
+              <a:t>&lt;!--</a:t>
+            </a:r>
+            <a:r>
+              <a:rPr lang="en-US" sz="1800" b="1" dirty="0" err="1">
+                <a:solidFill>
+                  <a:srgbClr val="FFFF00"/>
+                </a:solidFill>
+              </a:rPr>
+              <a:t>directive:date-picker</a:t>
+            </a:r>
+            <a:r>
+              <a:rPr lang="en-US" sz="1800" b="1" dirty="0">
+                <a:solidFill>
+                  <a:srgbClr val="FFFF00"/>
+                </a:solidFill>
+              </a:rPr>
+              <a:t>-</a:t>
+            </a:r>
+            <a:r>
+              <a:rPr lang="en-US" sz="1800" b="1" dirty="0">
+                <a:solidFill>
+                  <a:srgbClr val="FFFF00"/>
+                </a:solidFill>
+              </a:rPr>
+              <a:t>-&gt;</a:t>
+            </a:r>
+            <a:endParaRPr lang="en-US" sz="1800" b="1" dirty="0">
+              <a:solidFill>
+                <a:srgbClr val="FFFF00"/>
+              </a:solidFill>
+            </a:endParaRPr>
+          </a:p>
+          <a:p>
+            <a:pPr marL="0" indent="0">
+              <a:buNone/>
+            </a:pPr>
+            <a:endParaRPr lang="en-US" sz="2000" dirty="0"/>
+          </a:p>
+        </p:txBody>
+      </p:sp>
+      <p:sp>
+        <p:nvSpPr>
+          <p:cNvPr id="4" name="TextBox 3"/>
+          <p:cNvSpPr txBox="1"/>
+          <p:nvPr/>
+        </p:nvSpPr>
+        <p:spPr>
+          <a:xfrm>
+            <a:off x="838200" y="1644134"/>
+            <a:ext cx="7821052" cy="369332"/>
+          </a:xfrm>
+          <a:prstGeom prst="rect">
+            <a:avLst/>
+          </a:prstGeom>
+          <a:noFill/>
+        </p:spPr>
+        <p:txBody>
+          <a:bodyPr wrap="none" rtlCol="0">
+            <a:spAutoFit/>
+          </a:bodyPr>
+          <a:lstStyle/>
+          <a:p>
+            <a:r>
+              <a:rPr lang="en-US" dirty="0"/>
+              <a:t>An Angular directive comes in four flavors in terms of appearance</a:t>
+            </a:r>
+            <a:endParaRPr lang="en-US" dirty="0"/>
+          </a:p>
+        </p:txBody>
+      </p:sp>
+    </p:spTree>
+    <p:extLst>
+      <p:ext uri="{BB962C8B-B14F-4D97-AF65-F5344CB8AC3E}">
+        <p14:creationId xmlns:p14="http://schemas.microsoft.com/office/powerpoint/2010/main" val="3563295173"/>
+      </p:ext>
+    </p:extLst>
+  </p:cSld>
+  <p:clrMapOvr>
+    <a:masterClrMapping/>
+  </p:clrMapOvr>
+  <p:timing>
+    <p:tnLst>
+      <p:par>
+        <p:cTn id="1" dur="indefinite" restart="never" nodeType="tmRoot"/>
+      </p:par>
+    </p:tnLst>
+  </p:timing>
+</p:sld>
+</file>
+
+<file path=ppt/slides/slide21.xml><?xml version="1.0" encoding="utf-8"?>
+<p:sld xmlns:a="http://schemas.openxmlformats.org/drawingml/2006/main" xmlns:r="http://schemas.openxmlformats.org/officeDocument/2006/relationships" xmlns:p="http://schemas.openxmlformats.org/presentationml/2006/main">
+  <p:cSld>
+    <p:spTree>
+      <p:nvGrpSpPr>
+        <p:cNvPr id="1" name=""/>
+        <p:cNvGrpSpPr/>
+        <p:nvPr/>
+      </p:nvGrpSpPr>
+      <p:grpSpPr>
+        <a:xfrm>
+          <a:off x="0" y="0"/>
+          <a:ext cx="0" cy="0"/>
+          <a:chOff x="0" y="0"/>
+          <a:chExt cx="0" cy="0"/>
+        </a:xfrm>
+      </p:grpSpPr>
+      <p:sp>
+        <p:nvSpPr>
+          <p:cNvPr id="2" name="Title 1"/>
+          <p:cNvSpPr>
+            <a:spLocks noGrp="1"/>
+          </p:cNvSpPr>
+          <p:nvPr>
+            <p:ph type="title"/>
+          </p:nvPr>
+        </p:nvSpPr>
+        <p:spPr/>
+        <p:txBody>
+          <a:bodyPr vert="horz" lIns="91440" tIns="45720" rIns="91440" bIns="45720" rtlCol="0" anchor="ctr">
+            <a:noAutofit/>
+          </a:bodyPr>
+          <a:lstStyle/>
+          <a:p>
+            <a:r>
+              <a:rPr lang="en-US" dirty="0"/>
+              <a:t>Directive </a:t>
+            </a:r>
+            <a:r>
+              <a:rPr lang="en-US" dirty="0"/>
+              <a:t>Restrictions</a:t>
+            </a:r>
+          </a:p>
+        </p:txBody>
+      </p:sp>
+      <p:sp>
+        <p:nvSpPr>
+          <p:cNvPr id="3" name="Content Placeholder 2"/>
+          <p:cNvSpPr>
+            <a:spLocks noGrp="1"/>
+          </p:cNvSpPr>
+          <p:nvPr>
+            <p:ph idx="1"/>
+          </p:nvPr>
+        </p:nvSpPr>
+        <p:spPr/>
+        <p:txBody>
+          <a:bodyPr>
+            <a:normAutofit/>
+          </a:bodyPr>
+          <a:lstStyle/>
+          <a:p>
+            <a:r>
+              <a:rPr lang="en-US" sz="2400" b="1" dirty="0"/>
+              <a:t>A (Attribute)</a:t>
+            </a:r>
+          </a:p>
+          <a:p>
+            <a:r>
+              <a:rPr lang="en-US" sz="2400" b="1" dirty="0"/>
+              <a:t>C (Class)</a:t>
+            </a:r>
+          </a:p>
+          <a:p>
+            <a:r>
+              <a:rPr lang="en-US" sz="2400" b="1" dirty="0"/>
+              <a:t>E (Element)</a:t>
+            </a:r>
+          </a:p>
+          <a:p>
+            <a:r>
+              <a:rPr lang="en-US" sz="2400" b="1" dirty="0"/>
+              <a:t>M (</a:t>
+            </a:r>
+            <a:r>
+              <a:rPr lang="en-US" sz="2400" b="1" dirty="0" err="1"/>
+              <a:t>coMment</a:t>
+            </a:r>
+            <a:r>
+              <a:rPr lang="en-US" sz="2400" b="1" dirty="0"/>
+              <a:t>)</a:t>
+            </a:r>
+          </a:p>
+          <a:p>
+            <a:pPr marL="0" indent="0">
+              <a:buNone/>
+            </a:pPr>
+            <a:endParaRPr lang="en-US" sz="2400" dirty="0"/>
+          </a:p>
+        </p:txBody>
+      </p:sp>
+    </p:spTree>
+    <p:extLst>
+      <p:ext uri="{BB962C8B-B14F-4D97-AF65-F5344CB8AC3E}">
+        <p14:creationId xmlns:p14="http://schemas.microsoft.com/office/powerpoint/2010/main" val="917559237"/>
+      </p:ext>
+    </p:extLst>
+  </p:cSld>
+  <p:clrMapOvr>
+    <a:masterClrMapping/>
+  </p:clrMapOvr>
+  <p:timing>
+    <p:tnLst>
+      <p:par>
+        <p:cTn id="1" dur="indefinite" restart="never" nodeType="tmRoot"/>
+      </p:par>
+    </p:tnLst>
+  </p:timing>
+</p:sld>
+</file>
+
+<file path=ppt/slides/slide22.xml><?xml version="1.0" encoding="utf-8"?>
+<p:sld xmlns:a="http://schemas.openxmlformats.org/drawingml/2006/main" xmlns:r="http://schemas.openxmlformats.org/officeDocument/2006/relationships" xmlns:p="http://schemas.openxmlformats.org/presentationml/2006/main">
+  <p:cSld>
+    <p:spTree>
+      <p:nvGrpSpPr>
+        <p:cNvPr id="1" name=""/>
+        <p:cNvGrpSpPr/>
+        <p:nvPr/>
+      </p:nvGrpSpPr>
+      <p:grpSpPr>
+        <a:xfrm>
+          <a:off x="0" y="0"/>
+          <a:ext cx="0" cy="0"/>
+          <a:chOff x="0" y="0"/>
+          <a:chExt cx="0" cy="0"/>
+        </a:xfrm>
+      </p:grpSpPr>
+      <p:sp>
+        <p:nvSpPr>
+          <p:cNvPr id="2" name="Title 1"/>
+          <p:cNvSpPr>
+            <a:spLocks noGrp="1"/>
+          </p:cNvSpPr>
+          <p:nvPr>
+            <p:ph type="title"/>
+          </p:nvPr>
+        </p:nvSpPr>
+        <p:spPr/>
+        <p:txBody>
+          <a:bodyPr/>
+          <a:lstStyle/>
+          <a:p>
+            <a:r>
+              <a:rPr lang="en-US" dirty="0" smtClean="0"/>
+              <a:t>Directives Scopes</a:t>
+            </a:r>
+            <a:endParaRPr lang="en-US" dirty="0"/>
+          </a:p>
+        </p:txBody>
+      </p:sp>
+      <p:sp>
+        <p:nvSpPr>
+          <p:cNvPr id="3" name="Content Placeholder 2"/>
+          <p:cNvSpPr>
+            <a:spLocks noGrp="1"/>
+          </p:cNvSpPr>
+          <p:nvPr>
+            <p:ph idx="1"/>
+          </p:nvPr>
+        </p:nvSpPr>
+        <p:spPr/>
+        <p:txBody>
+          <a:bodyPr/>
+          <a:lstStyle/>
+          <a:p>
+            <a:r>
+              <a:rPr lang="en-US" dirty="0" smtClean="0"/>
+              <a:t>Isolated Scope</a:t>
+            </a:r>
+          </a:p>
+          <a:p>
+            <a:pPr marL="457200" lvl="1" indent="0">
+              <a:buNone/>
+            </a:pPr>
+            <a:r>
+              <a:rPr lang="en-US" dirty="0" smtClean="0"/>
+              <a:t>scope: {}</a:t>
+            </a:r>
+          </a:p>
+          <a:p>
+            <a:r>
+              <a:rPr lang="en-US" dirty="0" smtClean="0"/>
+              <a:t>Child Scope</a:t>
+            </a:r>
+          </a:p>
+          <a:p>
+            <a:pPr marL="457200" lvl="1" indent="0">
+              <a:buNone/>
+            </a:pPr>
+            <a:r>
+              <a:rPr lang="en-US" dirty="0" smtClean="0"/>
+              <a:t>scope: true</a:t>
+            </a:r>
+          </a:p>
+          <a:p>
+            <a:r>
+              <a:rPr lang="en-US" dirty="0" smtClean="0"/>
+              <a:t>Shared Scope</a:t>
+            </a:r>
+          </a:p>
+          <a:p>
+            <a:pPr marL="457200" lvl="1" indent="0">
+              <a:buNone/>
+            </a:pPr>
+            <a:endParaRPr lang="en-US" dirty="0"/>
+          </a:p>
+        </p:txBody>
+      </p:sp>
+    </p:spTree>
+    <p:extLst>
+      <p:ext uri="{BB962C8B-B14F-4D97-AF65-F5344CB8AC3E}">
+        <p14:creationId xmlns:p14="http://schemas.microsoft.com/office/powerpoint/2010/main" val="2594658783"/>
+      </p:ext>
+    </p:extLst>
+  </p:cSld>
+  <p:clrMapOvr>
+    <a:masterClrMapping/>
+  </p:clrMapOvr>
 </p:sld>
 </file>
 

--- a/Angular JS Training.pptx
+++ b/Angular JS Training.pptx
@@ -27,6 +27,7 @@
     <p:sldId id="275" r:id="rId21"/>
     <p:sldId id="277" r:id="rId22"/>
     <p:sldId id="280" r:id="rId23"/>
+    <p:sldId id="281" r:id="rId24"/>
   </p:sldIdLst>
   <p:sldSz cx="9144000" cy="6858000" type="screen4x3"/>
   <p:notesSz cx="6858000" cy="9144000"/>
@@ -26828,6 +26829,116 @@
 </p:sld>
 </file>
 
+<file path=ppt/slides/slide23.xml><?xml version="1.0" encoding="utf-8"?>
+<p:sld xmlns:a="http://schemas.openxmlformats.org/drawingml/2006/main" xmlns:r="http://schemas.openxmlformats.org/officeDocument/2006/relationships" xmlns:p="http://schemas.openxmlformats.org/presentationml/2006/main">
+  <p:cSld>
+    <p:spTree>
+      <p:nvGrpSpPr>
+        <p:cNvPr id="1" name=""/>
+        <p:cNvGrpSpPr/>
+        <p:nvPr/>
+      </p:nvGrpSpPr>
+      <p:grpSpPr>
+        <a:xfrm>
+          <a:off x="0" y="0"/>
+          <a:ext cx="0" cy="0"/>
+          <a:chOff x="0" y="0"/>
+          <a:chExt cx="0" cy="0"/>
+        </a:xfrm>
+      </p:grpSpPr>
+      <p:sp>
+        <p:nvSpPr>
+          <p:cNvPr id="2" name="Title 1"/>
+          <p:cNvSpPr>
+            <a:spLocks noGrp="1"/>
+          </p:cNvSpPr>
+          <p:nvPr>
+            <p:ph type="title"/>
+          </p:nvPr>
+        </p:nvSpPr>
+        <p:spPr/>
+        <p:txBody>
+          <a:bodyPr/>
+          <a:lstStyle/>
+          <a:p>
+            <a:r>
+              <a:rPr lang="en-US" dirty="0" smtClean="0"/>
+              <a:t>Adding Behavior to Directive</a:t>
+            </a:r>
+            <a:endParaRPr lang="en-US" dirty="0"/>
+          </a:p>
+        </p:txBody>
+      </p:sp>
+      <p:sp>
+        <p:nvSpPr>
+          <p:cNvPr id="3" name="Content Placeholder 2"/>
+          <p:cNvSpPr>
+            <a:spLocks noGrp="1"/>
+          </p:cNvSpPr>
+          <p:nvPr>
+            <p:ph idx="1"/>
+          </p:nvPr>
+        </p:nvSpPr>
+        <p:spPr/>
+        <p:txBody>
+          <a:bodyPr>
+            <a:normAutofit/>
+          </a:bodyPr>
+          <a:lstStyle/>
+          <a:p>
+            <a:r>
+              <a:rPr lang="en-US" sz="2400" dirty="0" smtClean="0"/>
+              <a:t>Using link() method</a:t>
+            </a:r>
+          </a:p>
+          <a:p>
+            <a:r>
+              <a:rPr lang="en-US" sz="2400" dirty="0" smtClean="0"/>
+              <a:t>Interacting with the </a:t>
+            </a:r>
+            <a:r>
+              <a:rPr lang="en-US" sz="2400" dirty="0" err="1" smtClean="0"/>
+              <a:t>the</a:t>
+            </a:r>
+            <a:r>
+              <a:rPr lang="en-US" sz="2400" dirty="0" smtClean="0"/>
+              <a:t> DOM</a:t>
+            </a:r>
+          </a:p>
+          <a:p>
+            <a:r>
+              <a:rPr lang="en-US" sz="2400" dirty="0" smtClean="0"/>
+              <a:t>Adding event Listeners</a:t>
+            </a:r>
+          </a:p>
+          <a:p>
+            <a:r>
+              <a:rPr lang="en-US" sz="2400" dirty="0" smtClean="0"/>
+              <a:t>Passing strings and objects into directive scope. (@, =)</a:t>
+            </a:r>
+          </a:p>
+          <a:p>
+            <a:r>
+              <a:rPr lang="en-US" sz="2400" dirty="0" smtClean="0"/>
+              <a:t>Passing methods into directive scope.(&amp;)</a:t>
+            </a:r>
+            <a:endParaRPr lang="en-US" sz="2400" dirty="0"/>
+          </a:p>
+        </p:txBody>
+      </p:sp>
+    </p:spTree>
+    <p:extLst>
+      <p:ext uri="{BB962C8B-B14F-4D97-AF65-F5344CB8AC3E}">
+        <p14:creationId xmlns:p14="http://schemas.microsoft.com/office/powerpoint/2010/main" val="2776896643"/>
+      </p:ext>
+    </p:extLst>
+  </p:cSld>
+  <p:clrMapOvr>
+    <a:masterClrMapping/>
+  </p:clrMapOvr>
+</p:sld>
+</file>
+
 <file path=ppt/slides/slide3.xml><?xml version="1.0" encoding="utf-8"?>
 <p:sld xmlns:a="http://schemas.openxmlformats.org/drawingml/2006/main" xmlns:r="http://schemas.openxmlformats.org/officeDocument/2006/relationships" xmlns:p="http://schemas.openxmlformats.org/presentationml/2006/main">
   <p:cSld>

--- a/Angular JS Training.pptx
+++ b/Angular JS Training.pptx
@@ -28,6 +28,13 @@
     <p:sldId id="277" r:id="rId22"/>
     <p:sldId id="280" r:id="rId23"/>
     <p:sldId id="281" r:id="rId24"/>
+    <p:sldId id="283" r:id="rId25"/>
+    <p:sldId id="284" r:id="rId26"/>
+    <p:sldId id="285" r:id="rId27"/>
+    <p:sldId id="286" r:id="rId28"/>
+    <p:sldId id="282" r:id="rId29"/>
+    <p:sldId id="288" r:id="rId30"/>
+    <p:sldId id="287" r:id="rId31"/>
   </p:sldIdLst>
   <p:sldSz cx="9144000" cy="6858000" type="screen4x3"/>
   <p:notesSz cx="6858000" cy="9144000"/>
@@ -26939,6 +26946,685 @@
 </p:sld>
 </file>
 
+<file path=ppt/slides/slide24.xml><?xml version="1.0" encoding="utf-8"?>
+<p:sld xmlns:a="http://schemas.openxmlformats.org/drawingml/2006/main" xmlns:r="http://schemas.openxmlformats.org/officeDocument/2006/relationships" xmlns:p="http://schemas.openxmlformats.org/presentationml/2006/main">
+  <p:cSld>
+    <p:spTree>
+      <p:nvGrpSpPr>
+        <p:cNvPr id="1" name=""/>
+        <p:cNvGrpSpPr/>
+        <p:nvPr/>
+      </p:nvGrpSpPr>
+      <p:grpSpPr>
+        <a:xfrm>
+          <a:off x="0" y="0"/>
+          <a:ext cx="0" cy="0"/>
+          <a:chOff x="0" y="0"/>
+          <a:chExt cx="0" cy="0"/>
+        </a:xfrm>
+      </p:grpSpPr>
+      <p:sp>
+        <p:nvSpPr>
+          <p:cNvPr id="2" name="Title 1"/>
+          <p:cNvSpPr>
+            <a:spLocks noGrp="1"/>
+          </p:cNvSpPr>
+          <p:nvPr>
+            <p:ph type="title"/>
+          </p:nvPr>
+        </p:nvSpPr>
+        <p:spPr/>
+        <p:txBody>
+          <a:bodyPr/>
+          <a:lstStyle/>
+          <a:p>
+            <a:r>
+              <a:rPr lang="en-US" dirty="0" smtClean="0"/>
+              <a:t>Day 5</a:t>
+            </a:r>
+            <a:endParaRPr lang="en-US" dirty="0"/>
+          </a:p>
+        </p:txBody>
+      </p:sp>
+      <p:sp>
+        <p:nvSpPr>
+          <p:cNvPr id="3" name="Content Placeholder 2"/>
+          <p:cNvSpPr>
+            <a:spLocks noGrp="1"/>
+          </p:cNvSpPr>
+          <p:nvPr>
+            <p:ph idx="1"/>
+          </p:nvPr>
+        </p:nvSpPr>
+        <p:spPr/>
+        <p:txBody>
+          <a:bodyPr/>
+          <a:lstStyle/>
+          <a:p>
+            <a:r>
+              <a:rPr lang="en-US" dirty="0" err="1" smtClean="0"/>
+              <a:t>Prividers</a:t>
+            </a:r>
+            <a:endParaRPr lang="en-US" dirty="0" smtClean="0"/>
+          </a:p>
+          <a:p>
+            <a:r>
+              <a:rPr lang="en-US" dirty="0" smtClean="0"/>
+              <a:t>Promises $q</a:t>
+            </a:r>
+          </a:p>
+          <a:p>
+            <a:r>
+              <a:rPr lang="en-US" dirty="0" smtClean="0"/>
+              <a:t>Decorators</a:t>
+            </a:r>
+          </a:p>
+          <a:p>
+            <a:r>
+              <a:rPr lang="en-US" dirty="0" smtClean="0"/>
+              <a:t>Http Interceptors</a:t>
+            </a:r>
+          </a:p>
+        </p:txBody>
+      </p:sp>
+    </p:spTree>
+    <p:extLst>
+      <p:ext uri="{BB962C8B-B14F-4D97-AF65-F5344CB8AC3E}">
+        <p14:creationId xmlns:p14="http://schemas.microsoft.com/office/powerpoint/2010/main" val="2177878643"/>
+      </p:ext>
+    </p:extLst>
+  </p:cSld>
+  <p:clrMapOvr>
+    <a:masterClrMapping/>
+  </p:clrMapOvr>
+</p:sld>
+</file>
+
+<file path=ppt/slides/slide25.xml><?xml version="1.0" encoding="utf-8"?>
+<p:sld xmlns:a="http://schemas.openxmlformats.org/drawingml/2006/main" xmlns:r="http://schemas.openxmlformats.org/officeDocument/2006/relationships" xmlns:p="http://schemas.openxmlformats.org/presentationml/2006/main">
+  <p:cSld>
+    <p:spTree>
+      <p:nvGrpSpPr>
+        <p:cNvPr id="1" name=""/>
+        <p:cNvGrpSpPr/>
+        <p:nvPr/>
+      </p:nvGrpSpPr>
+      <p:grpSpPr>
+        <a:xfrm>
+          <a:off x="0" y="0"/>
+          <a:ext cx="0" cy="0"/>
+          <a:chOff x="0" y="0"/>
+          <a:chExt cx="0" cy="0"/>
+        </a:xfrm>
+      </p:grpSpPr>
+      <p:sp>
+        <p:nvSpPr>
+          <p:cNvPr id="2" name="Title 1"/>
+          <p:cNvSpPr>
+            <a:spLocks noGrp="1"/>
+          </p:cNvSpPr>
+          <p:nvPr>
+            <p:ph type="title"/>
+          </p:nvPr>
+        </p:nvSpPr>
+        <p:spPr/>
+        <p:txBody>
+          <a:bodyPr/>
+          <a:lstStyle/>
+          <a:p>
+            <a:r>
+              <a:rPr lang="en-US" dirty="0" smtClean="0"/>
+              <a:t>Providers</a:t>
+            </a:r>
+            <a:endParaRPr lang="en-US" dirty="0"/>
+          </a:p>
+        </p:txBody>
+      </p:sp>
+      <p:sp>
+        <p:nvSpPr>
+          <p:cNvPr id="3" name="Content Placeholder 2"/>
+          <p:cNvSpPr>
+            <a:spLocks noGrp="1"/>
+          </p:cNvSpPr>
+          <p:nvPr>
+            <p:ph idx="1"/>
+          </p:nvPr>
+        </p:nvSpPr>
+        <p:spPr>
+          <a:xfrm>
+            <a:off x="1009443" y="1752600"/>
+            <a:ext cx="7125112" cy="4419599"/>
+          </a:xfrm>
+        </p:spPr>
+        <p:txBody>
+          <a:bodyPr/>
+          <a:lstStyle/>
+          <a:p>
+            <a:r>
+              <a:rPr lang="en-US" dirty="0"/>
+              <a:t>The Provider recipe is syntactically defined as a custom type that implements a $get method. This method is a factory function just like the one we use in the Factory recipe. In fact, if you define a Factory recipe, an empty Provider type with the $get method set to your factory function is automatically created under the hood.</a:t>
+            </a:r>
+          </a:p>
+          <a:p>
+            <a:r>
+              <a:rPr lang="en-US" dirty="0"/>
+              <a:t>You should use the Provider recipe only when you want to expose an API for application-wide configuration that must be made before the application starts. This is usually interesting only for reusable services whose behavior might need to vary slightly between applications.</a:t>
+            </a:r>
+          </a:p>
+          <a:p>
+            <a:endParaRPr lang="en-US" dirty="0"/>
+          </a:p>
+        </p:txBody>
+      </p:sp>
+    </p:spTree>
+    <p:extLst>
+      <p:ext uri="{BB962C8B-B14F-4D97-AF65-F5344CB8AC3E}">
+        <p14:creationId xmlns:p14="http://schemas.microsoft.com/office/powerpoint/2010/main" val="3611675225"/>
+      </p:ext>
+    </p:extLst>
+  </p:cSld>
+  <p:clrMapOvr>
+    <a:masterClrMapping/>
+  </p:clrMapOvr>
+</p:sld>
+</file>
+
+<file path=ppt/slides/slide26.xml><?xml version="1.0" encoding="utf-8"?>
+<p:sld xmlns:a="http://schemas.openxmlformats.org/drawingml/2006/main" xmlns:r="http://schemas.openxmlformats.org/officeDocument/2006/relationships" xmlns:p="http://schemas.openxmlformats.org/presentationml/2006/main">
+  <p:cSld>
+    <p:spTree>
+      <p:nvGrpSpPr>
+        <p:cNvPr id="1" name=""/>
+        <p:cNvGrpSpPr/>
+        <p:nvPr/>
+      </p:nvGrpSpPr>
+      <p:grpSpPr>
+        <a:xfrm>
+          <a:off x="0" y="0"/>
+          <a:ext cx="0" cy="0"/>
+          <a:chOff x="0" y="0"/>
+          <a:chExt cx="0" cy="0"/>
+        </a:xfrm>
+      </p:grpSpPr>
+      <p:sp>
+        <p:nvSpPr>
+          <p:cNvPr id="2" name="Title 1"/>
+          <p:cNvSpPr>
+            <a:spLocks noGrp="1"/>
+          </p:cNvSpPr>
+          <p:nvPr>
+            <p:ph type="title"/>
+          </p:nvPr>
+        </p:nvSpPr>
+        <p:spPr/>
+        <p:txBody>
+          <a:bodyPr/>
+          <a:lstStyle/>
+          <a:p>
+            <a:r>
+              <a:rPr lang="en-US" dirty="0" smtClean="0"/>
+              <a:t>Promises ($q)</a:t>
+            </a:r>
+            <a:endParaRPr lang="en-US" dirty="0"/>
+          </a:p>
+        </p:txBody>
+      </p:sp>
+      <p:sp>
+        <p:nvSpPr>
+          <p:cNvPr id="3" name="Content Placeholder 2"/>
+          <p:cNvSpPr>
+            <a:spLocks noGrp="1"/>
+          </p:cNvSpPr>
+          <p:nvPr>
+            <p:ph idx="1"/>
+          </p:nvPr>
+        </p:nvSpPr>
+        <p:spPr>
+          <a:xfrm>
+            <a:off x="1009442" y="1807361"/>
+            <a:ext cx="7372557" cy="4517239"/>
+          </a:xfrm>
+        </p:spPr>
+        <p:txBody>
+          <a:bodyPr>
+            <a:normAutofit fontScale="92500" lnSpcReduction="20000"/>
+          </a:bodyPr>
+          <a:lstStyle/>
+          <a:p>
+            <a:r>
+              <a:rPr lang="en-US" dirty="0"/>
+              <a:t>A service that helps you run functions asynchronously, and use their return values (or exceptions) when they are done </a:t>
+            </a:r>
+            <a:r>
+              <a:rPr lang="en-US" dirty="0" smtClean="0"/>
+              <a:t>processing</a:t>
+            </a:r>
+          </a:p>
+          <a:p>
+            <a:pPr marL="0" indent="0">
+              <a:buNone/>
+            </a:pPr>
+            <a:endParaRPr lang="en-US" dirty="0" smtClean="0"/>
+          </a:p>
+          <a:p>
+            <a:pPr marL="0" indent="0">
+              <a:buNone/>
+            </a:pPr>
+            <a:r>
+              <a:rPr lang="en-US" b="1" dirty="0" smtClean="0"/>
+              <a:t>Deferred Object’s methods:</a:t>
+            </a:r>
+          </a:p>
+          <a:p>
+            <a:pPr marL="0" indent="0">
+              <a:buNone/>
+            </a:pPr>
+            <a:endParaRPr lang="en-US" dirty="0" smtClean="0"/>
+          </a:p>
+          <a:p>
+            <a:r>
+              <a:rPr lang="en-US" b="1" dirty="0"/>
+              <a:t>resolve(value)</a:t>
+            </a:r>
+            <a:r>
+              <a:rPr lang="en-US" dirty="0"/>
+              <a:t> </a:t>
+            </a:r>
+            <a:endParaRPr lang="en-US" dirty="0"/>
+          </a:p>
+          <a:p>
+            <a:pPr marL="457200" lvl="1" indent="0">
+              <a:buNone/>
+            </a:pPr>
+            <a:r>
+              <a:rPr lang="en-US" dirty="0" smtClean="0"/>
+              <a:t>resolves </a:t>
+            </a:r>
+            <a:r>
+              <a:rPr lang="en-US" dirty="0"/>
+              <a:t>the derived promise with the value. If the value is a rejection constructed via $</a:t>
+            </a:r>
+            <a:r>
+              <a:rPr lang="en-US" dirty="0" err="1"/>
+              <a:t>q.reject</a:t>
+            </a:r>
+            <a:r>
+              <a:rPr lang="en-US" dirty="0"/>
+              <a:t>, the promise will be rejected instead.</a:t>
+            </a:r>
+          </a:p>
+          <a:p>
+            <a:r>
+              <a:rPr lang="en-US" b="1" dirty="0"/>
+              <a:t>reject(reason)</a:t>
+            </a:r>
+            <a:r>
+              <a:rPr lang="en-US" dirty="0"/>
+              <a:t> </a:t>
+            </a:r>
+            <a:endParaRPr lang="en-US" dirty="0"/>
+          </a:p>
+          <a:p>
+            <a:pPr marL="457200" lvl="1" indent="0">
+              <a:buNone/>
+            </a:pPr>
+            <a:r>
+              <a:rPr lang="en-US" dirty="0" smtClean="0"/>
+              <a:t>rejects </a:t>
+            </a:r>
+            <a:r>
+              <a:rPr lang="en-US" dirty="0"/>
+              <a:t>the derived promise with the reason. This is equivalent to resolving it with a rejection constructed via $</a:t>
+            </a:r>
+            <a:r>
+              <a:rPr lang="en-US" dirty="0" err="1"/>
+              <a:t>q.reject</a:t>
+            </a:r>
+            <a:r>
+              <a:rPr lang="en-US" dirty="0"/>
+              <a:t>.</a:t>
+            </a:r>
+          </a:p>
+          <a:p>
+            <a:r>
+              <a:rPr lang="en-US" b="1" dirty="0"/>
+              <a:t>notify(value)</a:t>
+            </a:r>
+            <a:r>
+              <a:rPr lang="en-US" dirty="0"/>
+              <a:t> </a:t>
+            </a:r>
+            <a:endParaRPr lang="en-US" dirty="0"/>
+          </a:p>
+          <a:p>
+            <a:pPr marL="457200" lvl="1" indent="0">
+              <a:buNone/>
+            </a:pPr>
+            <a:r>
+              <a:rPr lang="en-US" dirty="0" smtClean="0"/>
+              <a:t>provides </a:t>
+            </a:r>
+            <a:r>
+              <a:rPr lang="en-US" dirty="0"/>
+              <a:t>updates on the status of the promise's execution. This may be called multiple times before the promise is either resolved or rejected</a:t>
+            </a:r>
+          </a:p>
+          <a:p>
+            <a:pPr marL="0" indent="0">
+              <a:buNone/>
+            </a:pPr>
+            <a:endParaRPr lang="en-US" dirty="0"/>
+          </a:p>
+        </p:txBody>
+      </p:sp>
+    </p:spTree>
+    <p:extLst>
+      <p:ext uri="{BB962C8B-B14F-4D97-AF65-F5344CB8AC3E}">
+        <p14:creationId xmlns:p14="http://schemas.microsoft.com/office/powerpoint/2010/main" val="1279677338"/>
+      </p:ext>
+    </p:extLst>
+  </p:cSld>
+  <p:clrMapOvr>
+    <a:masterClrMapping/>
+  </p:clrMapOvr>
+</p:sld>
+</file>
+
+<file path=ppt/slides/slide27.xml><?xml version="1.0" encoding="utf-8"?>
+<p:sld xmlns:a="http://schemas.openxmlformats.org/drawingml/2006/main" xmlns:r="http://schemas.openxmlformats.org/officeDocument/2006/relationships" xmlns:p="http://schemas.openxmlformats.org/presentationml/2006/main">
+  <p:cSld>
+    <p:spTree>
+      <p:nvGrpSpPr>
+        <p:cNvPr id="1" name=""/>
+        <p:cNvGrpSpPr/>
+        <p:nvPr/>
+      </p:nvGrpSpPr>
+      <p:grpSpPr>
+        <a:xfrm>
+          <a:off x="0" y="0"/>
+          <a:ext cx="0" cy="0"/>
+          <a:chOff x="0" y="0"/>
+          <a:chExt cx="0" cy="0"/>
+        </a:xfrm>
+      </p:grpSpPr>
+      <p:sp>
+        <p:nvSpPr>
+          <p:cNvPr id="2" name="Title 1"/>
+          <p:cNvSpPr>
+            <a:spLocks noGrp="1"/>
+          </p:cNvSpPr>
+          <p:nvPr>
+            <p:ph type="title"/>
+          </p:nvPr>
+        </p:nvSpPr>
+        <p:spPr/>
+        <p:txBody>
+          <a:bodyPr/>
+          <a:lstStyle/>
+          <a:p>
+            <a:r>
+              <a:rPr lang="en-US" dirty="0"/>
+              <a:t>Promises ($q)</a:t>
+            </a:r>
+          </a:p>
+        </p:txBody>
+      </p:sp>
+      <p:sp>
+        <p:nvSpPr>
+          <p:cNvPr id="3" name="Content Placeholder 2"/>
+          <p:cNvSpPr>
+            <a:spLocks noGrp="1"/>
+          </p:cNvSpPr>
+          <p:nvPr>
+            <p:ph idx="1"/>
+          </p:nvPr>
+        </p:nvSpPr>
+        <p:spPr/>
+        <p:txBody>
+          <a:bodyPr/>
+          <a:lstStyle/>
+          <a:p>
+            <a:r>
+              <a:rPr lang="en-US" dirty="0" smtClean="0"/>
+              <a:t>all(promises)</a:t>
+            </a:r>
+          </a:p>
+          <a:p>
+            <a:r>
+              <a:rPr lang="en-US" dirty="0" smtClean="0"/>
+              <a:t>race(promises) (supported in </a:t>
+            </a:r>
+            <a:r>
+              <a:rPr lang="en-US" dirty="0" err="1" smtClean="0"/>
+              <a:t>angularjs</a:t>
+            </a:r>
+            <a:r>
+              <a:rPr lang="en-US" dirty="0" smtClean="0"/>
+              <a:t> 1.5.8 onwards)</a:t>
+            </a:r>
+            <a:endParaRPr lang="en-US" dirty="0"/>
+          </a:p>
+        </p:txBody>
+      </p:sp>
+    </p:spTree>
+    <p:extLst>
+      <p:ext uri="{BB962C8B-B14F-4D97-AF65-F5344CB8AC3E}">
+        <p14:creationId xmlns:p14="http://schemas.microsoft.com/office/powerpoint/2010/main" val="1737765147"/>
+      </p:ext>
+    </p:extLst>
+  </p:cSld>
+  <p:clrMapOvr>
+    <a:masterClrMapping/>
+  </p:clrMapOvr>
+</p:sld>
+</file>
+
+<file path=ppt/slides/slide28.xml><?xml version="1.0" encoding="utf-8"?>
+<p:sld xmlns:a="http://schemas.openxmlformats.org/drawingml/2006/main" xmlns:r="http://schemas.openxmlformats.org/officeDocument/2006/relationships" xmlns:p="http://schemas.openxmlformats.org/presentationml/2006/main">
+  <p:cSld>
+    <p:spTree>
+      <p:nvGrpSpPr>
+        <p:cNvPr id="1" name=""/>
+        <p:cNvGrpSpPr/>
+        <p:nvPr/>
+      </p:nvGrpSpPr>
+      <p:grpSpPr>
+        <a:xfrm>
+          <a:off x="0" y="0"/>
+          <a:ext cx="0" cy="0"/>
+          <a:chOff x="0" y="0"/>
+          <a:chExt cx="0" cy="0"/>
+        </a:xfrm>
+      </p:grpSpPr>
+      <p:sp>
+        <p:nvSpPr>
+          <p:cNvPr id="2" name="Title 1"/>
+          <p:cNvSpPr>
+            <a:spLocks noGrp="1"/>
+          </p:cNvSpPr>
+          <p:nvPr>
+            <p:ph type="title"/>
+          </p:nvPr>
+        </p:nvSpPr>
+        <p:spPr/>
+        <p:txBody>
+          <a:bodyPr/>
+          <a:lstStyle/>
+          <a:p>
+            <a:r>
+              <a:rPr lang="en-US" dirty="0" smtClean="0"/>
+              <a:t>Decorators</a:t>
+            </a:r>
+            <a:endParaRPr lang="en-US" dirty="0"/>
+          </a:p>
+        </p:txBody>
+      </p:sp>
+      <p:sp>
+        <p:nvSpPr>
+          <p:cNvPr id="3" name="Content Placeholder 2"/>
+          <p:cNvSpPr>
+            <a:spLocks noGrp="1"/>
+          </p:cNvSpPr>
+          <p:nvPr>
+            <p:ph idx="1"/>
+          </p:nvPr>
+        </p:nvSpPr>
+        <p:spPr/>
+        <p:txBody>
+          <a:bodyPr/>
+          <a:lstStyle/>
+          <a:p>
+            <a:r>
+              <a:rPr lang="en-US" dirty="0"/>
+              <a:t>Decorators are a design pattern that is used to separate modification or </a:t>
+            </a:r>
+            <a:r>
+              <a:rPr lang="en-US" i="1" dirty="0"/>
+              <a:t>decoration</a:t>
+            </a:r>
+            <a:r>
+              <a:rPr lang="en-US" dirty="0"/>
+              <a:t> of a class without modifying the original source code. In AngularJS, decorators are functions that allow a service, directive or filter to be modified prior to its </a:t>
+            </a:r>
+            <a:r>
+              <a:rPr lang="en-US" dirty="0" smtClean="0"/>
+              <a:t>usage</a:t>
+            </a:r>
+          </a:p>
+          <a:p>
+            <a:r>
+              <a:rPr lang="en-US" b="1" dirty="0" err="1"/>
+              <a:t>m</a:t>
+            </a:r>
+            <a:r>
+              <a:rPr lang="en-US" b="1" dirty="0" err="1" smtClean="0"/>
+              <a:t>odule.decorator</a:t>
+            </a:r>
+            <a:r>
+              <a:rPr lang="en-US" b="1" dirty="0" smtClean="0"/>
+              <a:t>()</a:t>
+            </a:r>
+            <a:r>
+              <a:rPr lang="en-US" dirty="0" smtClean="0"/>
+              <a:t> </a:t>
+            </a:r>
+            <a:r>
+              <a:rPr lang="en-US" dirty="0"/>
+              <a:t>provide access to a </a:t>
+            </a:r>
+            <a:r>
+              <a:rPr lang="en-US" b="1" dirty="0"/>
+              <a:t>$delegate</a:t>
+            </a:r>
+            <a:r>
+              <a:rPr lang="en-US" dirty="0"/>
+              <a:t>, which is the instantiated service/directive/filter, prior to being passed to the service that required it.</a:t>
+            </a:r>
+            <a:endParaRPr lang="en-US" dirty="0" smtClean="0"/>
+          </a:p>
+        </p:txBody>
+      </p:sp>
+    </p:spTree>
+    <p:extLst>
+      <p:ext uri="{BB962C8B-B14F-4D97-AF65-F5344CB8AC3E}">
+        <p14:creationId xmlns:p14="http://schemas.microsoft.com/office/powerpoint/2010/main" val="390712492"/>
+      </p:ext>
+    </p:extLst>
+  </p:cSld>
+  <p:clrMapOvr>
+    <a:masterClrMapping/>
+  </p:clrMapOvr>
+</p:sld>
+</file>
+
+<file path=ppt/slides/slide29.xml><?xml version="1.0" encoding="utf-8"?>
+<p:sld xmlns:a="http://schemas.openxmlformats.org/drawingml/2006/main" xmlns:r="http://schemas.openxmlformats.org/officeDocument/2006/relationships" xmlns:p="http://schemas.openxmlformats.org/presentationml/2006/main">
+  <p:cSld>
+    <p:spTree>
+      <p:nvGrpSpPr>
+        <p:cNvPr id="1" name=""/>
+        <p:cNvGrpSpPr/>
+        <p:nvPr/>
+      </p:nvGrpSpPr>
+      <p:grpSpPr>
+        <a:xfrm>
+          <a:off x="0" y="0"/>
+          <a:ext cx="0" cy="0"/>
+          <a:chOff x="0" y="0"/>
+          <a:chExt cx="0" cy="0"/>
+        </a:xfrm>
+      </p:grpSpPr>
+      <p:sp>
+        <p:nvSpPr>
+          <p:cNvPr id="2" name="Title 1"/>
+          <p:cNvSpPr>
+            <a:spLocks noGrp="1"/>
+          </p:cNvSpPr>
+          <p:nvPr>
+            <p:ph type="title"/>
+          </p:nvPr>
+        </p:nvSpPr>
+        <p:spPr/>
+        <p:txBody>
+          <a:bodyPr/>
+          <a:lstStyle/>
+          <a:p>
+            <a:r>
+              <a:rPr lang="en-US" dirty="0"/>
+              <a:t>$http Interceptors</a:t>
+            </a:r>
+          </a:p>
+        </p:txBody>
+      </p:sp>
+      <p:sp>
+        <p:nvSpPr>
+          <p:cNvPr id="3" name="Content Placeholder 2"/>
+          <p:cNvSpPr>
+            <a:spLocks noGrp="1"/>
+          </p:cNvSpPr>
+          <p:nvPr>
+            <p:ph idx="1"/>
+          </p:nvPr>
+        </p:nvSpPr>
+        <p:spPr/>
+        <p:txBody>
+          <a:bodyPr>
+            <a:normAutofit/>
+          </a:bodyPr>
+          <a:lstStyle/>
+          <a:p>
+            <a:pPr marL="0" indent="0">
+              <a:buNone/>
+            </a:pPr>
+            <a:r>
+              <a:rPr lang="en-US" sz="2400" dirty="0"/>
+              <a:t>For purposes of global error handling, authentication, or any kind of synchronous or asynchronous pre-processing of request or </a:t>
+            </a:r>
+            <a:r>
+              <a:rPr lang="en-US" sz="2400" dirty="0" smtClean="0"/>
+              <a:t>post processing </a:t>
+            </a:r>
+            <a:r>
+              <a:rPr lang="en-US" sz="2400" dirty="0"/>
+              <a:t>of responses, it is desirable to be able to intercept requests before they are handed to the server and responses before they are handed over to the application code that initiated these requests.</a:t>
+            </a:r>
+            <a:endParaRPr lang="en-US" sz="2400" dirty="0"/>
+          </a:p>
+        </p:txBody>
+      </p:sp>
+    </p:spTree>
+    <p:extLst>
+      <p:ext uri="{BB962C8B-B14F-4D97-AF65-F5344CB8AC3E}">
+        <p14:creationId xmlns:p14="http://schemas.microsoft.com/office/powerpoint/2010/main" val="3695033287"/>
+      </p:ext>
+    </p:extLst>
+  </p:cSld>
+  <p:clrMapOvr>
+    <a:masterClrMapping/>
+  </p:clrMapOvr>
+</p:sld>
+</file>
+
 <file path=ppt/slides/slide3.xml><?xml version="1.0" encoding="utf-8"?>
 <p:sld xmlns:a="http://schemas.openxmlformats.org/drawingml/2006/main" xmlns:r="http://schemas.openxmlformats.org/officeDocument/2006/relationships" xmlns:p="http://schemas.openxmlformats.org/presentationml/2006/main">
   <p:cSld>
@@ -27131,6 +27817,298 @@
       </p:par>
     </p:tnLst>
   </p:timing>
+</p:sld>
+</file>
+
+<file path=ppt/slides/slide30.xml><?xml version="1.0" encoding="utf-8"?>
+<p:sld xmlns:a="http://schemas.openxmlformats.org/drawingml/2006/main" xmlns:r="http://schemas.openxmlformats.org/officeDocument/2006/relationships" xmlns:p="http://schemas.openxmlformats.org/presentationml/2006/main">
+  <p:cSld>
+    <p:spTree>
+      <p:nvGrpSpPr>
+        <p:cNvPr id="1" name=""/>
+        <p:cNvGrpSpPr/>
+        <p:nvPr/>
+      </p:nvGrpSpPr>
+      <p:grpSpPr>
+        <a:xfrm>
+          <a:off x="0" y="0"/>
+          <a:ext cx="0" cy="0"/>
+          <a:chOff x="0" y="0"/>
+          <a:chExt cx="0" cy="0"/>
+        </a:xfrm>
+      </p:grpSpPr>
+      <p:sp>
+        <p:nvSpPr>
+          <p:cNvPr id="2" name="Title 1"/>
+          <p:cNvSpPr>
+            <a:spLocks noGrp="1"/>
+          </p:cNvSpPr>
+          <p:nvPr>
+            <p:ph type="title"/>
+          </p:nvPr>
+        </p:nvSpPr>
+        <p:spPr>
+          <a:xfrm>
+            <a:off x="990600" y="381000"/>
+            <a:ext cx="7125113" cy="924475"/>
+          </a:xfrm>
+        </p:spPr>
+        <p:txBody>
+          <a:bodyPr/>
+          <a:lstStyle/>
+          <a:p>
+            <a:r>
+              <a:rPr lang="en-US" dirty="0" smtClean="0"/>
+              <a:t>$http Interceptors</a:t>
+            </a:r>
+            <a:endParaRPr lang="en-US" dirty="0"/>
+          </a:p>
+        </p:txBody>
+      </p:sp>
+      <p:sp>
+        <p:nvSpPr>
+          <p:cNvPr id="3" name="Content Placeholder 2"/>
+          <p:cNvSpPr>
+            <a:spLocks noGrp="1"/>
+          </p:cNvSpPr>
+          <p:nvPr>
+            <p:ph idx="1"/>
+          </p:nvPr>
+        </p:nvSpPr>
+        <p:spPr>
+          <a:xfrm>
+            <a:off x="1009442" y="1295400"/>
+            <a:ext cx="7372557" cy="5050639"/>
+          </a:xfrm>
+        </p:spPr>
+        <p:txBody>
+          <a:bodyPr>
+            <a:normAutofit lnSpcReduction="10000"/>
+          </a:bodyPr>
+          <a:lstStyle/>
+          <a:p>
+            <a:r>
+              <a:rPr lang="en-US" b="1" dirty="0"/>
+              <a:t>request</a:t>
+            </a:r>
+            <a:r>
+              <a:rPr lang="en-US" dirty="0"/>
+              <a:t>: </a:t>
+            </a:r>
+            <a:endParaRPr lang="en-US" dirty="0" smtClean="0"/>
+          </a:p>
+          <a:p>
+            <a:pPr marL="457200" lvl="1" indent="0">
+              <a:buNone/>
+            </a:pPr>
+            <a:r>
+              <a:rPr lang="en-US" dirty="0" smtClean="0"/>
+              <a:t>interceptors </a:t>
+            </a:r>
+            <a:r>
+              <a:rPr lang="en-US" dirty="0"/>
+              <a:t>get called with a http </a:t>
+            </a:r>
+            <a:r>
+              <a:rPr lang="en-US" b="1" dirty="0" err="1" smtClean="0">
+                <a:solidFill>
+                  <a:srgbClr val="FFFF00"/>
+                </a:solidFill>
+              </a:rPr>
+              <a:t>config</a:t>
+            </a:r>
+            <a:r>
+              <a:rPr lang="en-US" dirty="0"/>
+              <a:t> object. The function is free to modify the </a:t>
+            </a:r>
+            <a:r>
+              <a:rPr lang="en-US" b="1" dirty="0" err="1">
+                <a:solidFill>
+                  <a:srgbClr val="FFFF00"/>
+                </a:solidFill>
+              </a:rPr>
+              <a:t>config</a:t>
+            </a:r>
+            <a:r>
+              <a:rPr lang="en-US" dirty="0"/>
+              <a:t> object or create a new one. The function needs to return the </a:t>
+            </a:r>
+            <a:r>
+              <a:rPr lang="en-US" b="1" dirty="0" err="1">
+                <a:solidFill>
+                  <a:srgbClr val="FFFF00"/>
+                </a:solidFill>
+              </a:rPr>
+              <a:t>config</a:t>
+            </a:r>
+            <a:r>
+              <a:rPr lang="en-US" dirty="0"/>
+              <a:t> object directly, or a promise containing the </a:t>
+            </a:r>
+            <a:r>
+              <a:rPr lang="en-US" b="1" dirty="0" err="1">
+                <a:solidFill>
+                  <a:srgbClr val="FFFF00"/>
+                </a:solidFill>
+              </a:rPr>
+              <a:t>config</a:t>
+            </a:r>
+            <a:r>
+              <a:rPr lang="en-US" dirty="0"/>
+              <a:t> or a new </a:t>
+            </a:r>
+            <a:r>
+              <a:rPr lang="en-US" b="1" dirty="0" err="1">
+                <a:solidFill>
+                  <a:srgbClr val="FFFF00"/>
+                </a:solidFill>
+              </a:rPr>
+              <a:t>config</a:t>
+            </a:r>
+            <a:r>
+              <a:rPr lang="en-US" dirty="0"/>
+              <a:t> object.</a:t>
+            </a:r>
+          </a:p>
+          <a:p>
+            <a:r>
+              <a:rPr lang="en-US" b="1" dirty="0" err="1"/>
+              <a:t>requestError</a:t>
+            </a:r>
+            <a:r>
+              <a:rPr lang="en-US" dirty="0"/>
+              <a:t>: </a:t>
+            </a:r>
+            <a:endParaRPr lang="en-US" dirty="0" smtClean="0"/>
+          </a:p>
+          <a:p>
+            <a:pPr marL="457200" lvl="1" indent="0">
+              <a:buNone/>
+            </a:pPr>
+            <a:r>
+              <a:rPr lang="en-US" dirty="0" smtClean="0"/>
+              <a:t>interceptor </a:t>
+            </a:r>
+            <a:r>
+              <a:rPr lang="en-US" dirty="0"/>
+              <a:t>gets called when a previous interceptor threw an error or resolved with a rejection.</a:t>
+            </a:r>
+          </a:p>
+          <a:p>
+            <a:r>
+              <a:rPr lang="en-US" b="1" dirty="0"/>
+              <a:t>response</a:t>
+            </a:r>
+            <a:r>
+              <a:rPr lang="en-US" dirty="0"/>
+              <a:t>: </a:t>
+            </a:r>
+            <a:endParaRPr lang="en-US" dirty="0" smtClean="0"/>
+          </a:p>
+          <a:p>
+            <a:pPr marL="457200" lvl="1" indent="0">
+              <a:buNone/>
+            </a:pPr>
+            <a:r>
+              <a:rPr lang="en-US" dirty="0" smtClean="0"/>
+              <a:t>interceptors </a:t>
+            </a:r>
+            <a:r>
+              <a:rPr lang="en-US" dirty="0"/>
+              <a:t>get called with http </a:t>
+            </a:r>
+            <a:r>
+              <a:rPr lang="en-US" b="1" dirty="0">
+                <a:solidFill>
+                  <a:srgbClr val="FFFF00"/>
+                </a:solidFill>
+              </a:rPr>
+              <a:t>response</a:t>
+            </a:r>
+            <a:r>
+              <a:rPr lang="en-US" dirty="0"/>
+              <a:t> object. The function is free to modify the response object or create a new one. The function needs to return the </a:t>
+            </a:r>
+            <a:r>
+              <a:rPr lang="en-US" b="1" dirty="0">
+                <a:solidFill>
+                  <a:srgbClr val="FFFF00"/>
+                </a:solidFill>
+              </a:rPr>
+              <a:t>response</a:t>
+            </a:r>
+            <a:r>
+              <a:rPr lang="en-US" dirty="0"/>
+              <a:t> object directly, or as a promise containing the </a:t>
+            </a:r>
+            <a:r>
+              <a:rPr lang="en-US" b="1" dirty="0">
+                <a:solidFill>
+                  <a:srgbClr val="FFFF00"/>
+                </a:solidFill>
+              </a:rPr>
+              <a:t>response</a:t>
+            </a:r>
+            <a:r>
+              <a:rPr lang="en-US" dirty="0"/>
+              <a:t> or a new </a:t>
+            </a:r>
+            <a:r>
+              <a:rPr lang="en-US" b="1" dirty="0">
+                <a:solidFill>
+                  <a:srgbClr val="FFFF00"/>
+                </a:solidFill>
+              </a:rPr>
+              <a:t>response</a:t>
+            </a:r>
+            <a:r>
+              <a:rPr lang="en-US" dirty="0" smtClean="0"/>
+              <a:t> object</a:t>
+            </a:r>
+            <a:r>
+              <a:rPr lang="en-US" dirty="0"/>
+              <a:t>.</a:t>
+            </a:r>
+          </a:p>
+          <a:p>
+            <a:r>
+              <a:rPr lang="en-US" dirty="0" err="1"/>
+              <a:t>responseError</a:t>
+            </a:r>
+            <a:r>
+              <a:rPr lang="en-US" dirty="0"/>
+              <a:t>: </a:t>
+            </a:r>
+            <a:endParaRPr lang="en-US" dirty="0" smtClean="0"/>
+          </a:p>
+          <a:p>
+            <a:pPr marL="457200" lvl="1" indent="0">
+              <a:buNone/>
+            </a:pPr>
+            <a:r>
+              <a:rPr lang="en-US" dirty="0" smtClean="0"/>
+              <a:t>interceptor </a:t>
+            </a:r>
+            <a:r>
+              <a:rPr lang="en-US" dirty="0"/>
+              <a:t>gets called when a previous interceptor threw an error or resolved with a rejection.</a:t>
+            </a:r>
+          </a:p>
+          <a:p>
+            <a:endParaRPr lang="en-US" dirty="0"/>
+          </a:p>
+        </p:txBody>
+      </p:sp>
+    </p:spTree>
+    <p:extLst>
+      <p:ext uri="{BB962C8B-B14F-4D97-AF65-F5344CB8AC3E}">
+        <p14:creationId xmlns:p14="http://schemas.microsoft.com/office/powerpoint/2010/main" val="3397848719"/>
+      </p:ext>
+    </p:extLst>
+  </p:cSld>
+  <p:clrMapOvr>
+    <a:masterClrMapping/>
+  </p:clrMapOvr>
 </p:sld>
 </file>
 

--- a/Angular JS Training.pptx
+++ b/Angular JS Training.pptx
@@ -33,8 +33,13 @@
     <p:sldId id="285" r:id="rId27"/>
     <p:sldId id="286" r:id="rId28"/>
     <p:sldId id="282" r:id="rId29"/>
-    <p:sldId id="288" r:id="rId30"/>
-    <p:sldId id="287" r:id="rId31"/>
+    <p:sldId id="289" r:id="rId30"/>
+    <p:sldId id="288" r:id="rId31"/>
+    <p:sldId id="287" r:id="rId32"/>
+    <p:sldId id="291" r:id="rId33"/>
+    <p:sldId id="292" r:id="rId34"/>
+    <p:sldId id="293" r:id="rId35"/>
+    <p:sldId id="290" r:id="rId36"/>
   </p:sldIdLst>
   <p:sldSz cx="9144000" cy="6858000" type="screen4x3"/>
   <p:notesSz cx="6858000" cy="9144000"/>
@@ -324,7 +329,7 @@
             <a:fld id="{1D8BD707-D9CF-40AE-B4C6-C98DA3205C09}" type="datetimeFigureOut">
               <a:rPr lang="en-US" smtClean="0"/>
               <a:pPr/>
-              <a:t>3/16/2017</a:t>
+              <a:t>3/24/2017</a:t>
             </a:fld>
             <a:endParaRPr lang="en-US"/>
           </a:p>
@@ -496,7 +501,7 @@
             <a:fld id="{1D8BD707-D9CF-40AE-B4C6-C98DA3205C09}" type="datetimeFigureOut">
               <a:rPr lang="en-US" smtClean="0"/>
               <a:pPr/>
-              <a:t>3/16/2017</a:t>
+              <a:t>3/24/2017</a:t>
             </a:fld>
             <a:endParaRPr lang="en-US"/>
           </a:p>
@@ -673,7 +678,7 @@
             <a:fld id="{1D8BD707-D9CF-40AE-B4C6-C98DA3205C09}" type="datetimeFigureOut">
               <a:rPr lang="en-US" smtClean="0"/>
               <a:pPr/>
-              <a:t>3/16/2017</a:t>
+              <a:t>3/24/2017</a:t>
             </a:fld>
             <a:endParaRPr lang="en-US"/>
           </a:p>
@@ -877,7 +882,7 @@
             <a:fld id="{1D8BD707-D9CF-40AE-B4C6-C98DA3205C09}" type="datetimeFigureOut">
               <a:rPr lang="en-US" smtClean="0"/>
               <a:pPr/>
-              <a:t>3/16/2017</a:t>
+              <a:t>3/24/2017</a:t>
             </a:fld>
             <a:endParaRPr lang="en-US"/>
           </a:p>
@@ -1122,7 +1127,7 @@
             <a:fld id="{1D8BD707-D9CF-40AE-B4C6-C98DA3205C09}" type="datetimeFigureOut">
               <a:rPr lang="en-US" smtClean="0"/>
               <a:pPr/>
-              <a:t>3/16/2017</a:t>
+              <a:t>3/24/2017</a:t>
             </a:fld>
             <a:endParaRPr lang="en-US"/>
           </a:p>
@@ -1434,7 +1439,7 @@
             <a:fld id="{1D8BD707-D9CF-40AE-B4C6-C98DA3205C09}" type="datetimeFigureOut">
               <a:rPr lang="en-US" smtClean="0"/>
               <a:pPr/>
-              <a:t>3/16/2017</a:t>
+              <a:t>3/24/2017</a:t>
             </a:fld>
             <a:endParaRPr lang="en-US"/>
           </a:p>
@@ -1879,7 +1884,7 @@
             <a:fld id="{1D8BD707-D9CF-40AE-B4C6-C98DA3205C09}" type="datetimeFigureOut">
               <a:rPr lang="en-US" smtClean="0"/>
               <a:pPr/>
-              <a:t>3/16/2017</a:t>
+              <a:t>3/24/2017</a:t>
             </a:fld>
             <a:endParaRPr lang="en-US"/>
           </a:p>
@@ -1994,7 +1999,7 @@
             <a:fld id="{1D8BD707-D9CF-40AE-B4C6-C98DA3205C09}" type="datetimeFigureOut">
               <a:rPr lang="en-US" smtClean="0"/>
               <a:pPr/>
-              <a:t>3/16/2017</a:t>
+              <a:t>3/24/2017</a:t>
             </a:fld>
             <a:endParaRPr lang="en-US"/>
           </a:p>
@@ -2086,7 +2091,7 @@
             <a:fld id="{1D8BD707-D9CF-40AE-B4C6-C98DA3205C09}" type="datetimeFigureOut">
               <a:rPr lang="en-US" smtClean="0"/>
               <a:pPr/>
-              <a:t>3/16/2017</a:t>
+              <a:t>3/24/2017</a:t>
             </a:fld>
             <a:endParaRPr lang="en-US"/>
           </a:p>
@@ -2373,7 +2378,7 @@
             <a:fld id="{1D8BD707-D9CF-40AE-B4C6-C98DA3205C09}" type="datetimeFigureOut">
               <a:rPr lang="en-US" smtClean="0"/>
               <a:pPr/>
-              <a:t>3/16/2017</a:t>
+              <a:t>3/24/2017</a:t>
             </a:fld>
             <a:endParaRPr lang="en-US"/>
           </a:p>
@@ -2566,7 +2571,7 @@
             <a:fld id="{1D8BD707-D9CF-40AE-B4C6-C98DA3205C09}" type="datetimeFigureOut">
               <a:rPr lang="en-US" smtClean="0"/>
               <a:pPr/>
-              <a:t>3/16/2017</a:t>
+              <a:t>3/24/2017</a:t>
             </a:fld>
             <a:endParaRPr lang="en-US"/>
           </a:p>
@@ -23068,7 +23073,7 @@
             <a:fld id="{1D8BD707-D9CF-40AE-B4C6-C98DA3205C09}" type="datetimeFigureOut">
               <a:rPr lang="en-US" smtClean="0"/>
               <a:pPr/>
-              <a:t>3/16/2017</a:t>
+              <a:t>3/24/2017</a:t>
             </a:fld>
             <a:endParaRPr lang="en-US"/>
           </a:p>
@@ -26036,11 +26041,7 @@
           <a:p>
             <a:r>
               <a:rPr lang="en-US" dirty="0" smtClean="0"/>
-              <a:t>Day </a:t>
-            </a:r>
-            <a:r>
-              <a:rPr lang="en-US" dirty="0" smtClean="0"/>
-              <a:t>4</a:t>
+              <a:t>Day 4</a:t>
             </a:r>
             <a:endParaRPr lang="en-US" dirty="0"/>
           </a:p>
@@ -26192,7 +26193,6 @@
               <a:rPr lang="en-US" sz="2400" dirty="0"/>
               <a:t> code.</a:t>
             </a:r>
-            <a:endParaRPr lang="en-US" sz="2400" dirty="0"/>
           </a:p>
         </p:txBody>
       </p:sp>
@@ -26432,70 +26432,28 @@
                   <a:srgbClr val="FFFF00"/>
                 </a:solidFill>
               </a:rPr>
-              <a:t>&lt;</a:t>
-            </a:r>
+              <a:t>&lt;input type="text" date-picker/&gt;</a:t>
+            </a:r>
+          </a:p>
+          <a:p>
+            <a:r>
+              <a:rPr lang="en-US" sz="2000" dirty="0"/>
+              <a:t>As a class </a:t>
+            </a:r>
+            <a:endParaRPr lang="en-US" sz="2000" dirty="0" smtClean="0"/>
+          </a:p>
+          <a:p>
+            <a:pPr marL="457200" lvl="1" indent="0">
+              <a:buNone/>
+            </a:pPr>
             <a:r>
               <a:rPr lang="en-US" sz="1800" b="1" dirty="0">
                 <a:solidFill>
                   <a:srgbClr val="FFFF00"/>
                 </a:solidFill>
               </a:rPr>
-              <a:t>input type="text" date-picker</a:t>
-            </a:r>
-            <a:r>
-              <a:rPr lang="en-US" sz="1800" b="1" dirty="0">
-                <a:solidFill>
-                  <a:srgbClr val="FFFF00"/>
-                </a:solidFill>
-              </a:rPr>
-              <a:t>/&gt;</a:t>
-            </a:r>
-            <a:endParaRPr lang="en-US" sz="1800" b="1" dirty="0">
-              <a:solidFill>
-                <a:srgbClr val="FFFF00"/>
-              </a:solidFill>
-            </a:endParaRPr>
-          </a:p>
-          <a:p>
-            <a:r>
-              <a:rPr lang="en-US" sz="2000" dirty="0"/>
-              <a:t>As a class </a:t>
-            </a:r>
-            <a:endParaRPr lang="en-US" sz="2000" dirty="0" smtClean="0"/>
-          </a:p>
-          <a:p>
-            <a:pPr marL="457200" lvl="1" indent="0">
-              <a:buNone/>
-            </a:pPr>
-            <a:r>
-              <a:rPr lang="en-US" sz="1800" b="1" dirty="0">
-                <a:solidFill>
-                  <a:srgbClr val="FFFF00"/>
-                </a:solidFill>
-              </a:rPr>
-              <a:t>&lt;</a:t>
-            </a:r>
-            <a:r>
-              <a:rPr lang="en-US" sz="1800" b="1" dirty="0">
-                <a:solidFill>
-                  <a:srgbClr val="FFFF00"/>
-                </a:solidFill>
-              </a:rPr>
-              <a:t>input type="text" class="date-picker</a:t>
-            </a:r>
-            <a:r>
-              <a:rPr lang="en-US" sz="1800" b="1" dirty="0">
-                <a:solidFill>
-                  <a:srgbClr val="FFFF00"/>
-                </a:solidFill>
-              </a:rPr>
-              <a:t>"/&gt;</a:t>
-            </a:r>
-            <a:endParaRPr lang="en-US" sz="1800" b="1" dirty="0">
-              <a:solidFill>
-                <a:srgbClr val="FFFF00"/>
-              </a:solidFill>
-            </a:endParaRPr>
+              <a:t>&lt;input type="text" class="date-picker"/&gt;</a:t>
+            </a:r>
           </a:p>
           <a:p>
             <a:r>
@@ -26530,21 +26488,8 @@
                   <a:srgbClr val="FFFF00"/>
                 </a:solidFill>
               </a:rPr>
-              <a:t>-</a:t>
-            </a:r>
-            <a:r>
-              <a:rPr lang="en-US" sz="1800" b="1" dirty="0">
-                <a:solidFill>
-                  <a:srgbClr val="FFFF00"/>
-                </a:solidFill>
-              </a:rPr>
-              <a:t>-&gt;</a:t>
-            </a:r>
-            <a:endParaRPr lang="en-US" sz="1800" b="1" dirty="0">
-              <a:solidFill>
-                <a:srgbClr val="FFFF00"/>
-              </a:solidFill>
-            </a:endParaRPr>
+              <a:t>--&gt;</a:t>
+            </a:r>
           </a:p>
           <a:p>
             <a:pPr marL="0" indent="0">
@@ -26580,7 +26525,6 @@
               <a:rPr lang="en-US" dirty="0"/>
               <a:t>An Angular directive comes in four flavors in terms of appearance</a:t>
             </a:r>
-            <a:endParaRPr lang="en-US" dirty="0"/>
           </a:p>
         </p:txBody>
       </p:sp>
@@ -26640,11 +26584,7 @@
           <a:p>
             <a:r>
               <a:rPr lang="en-US" dirty="0"/>
-              <a:t>Directive </a:t>
-            </a:r>
-            <a:r>
-              <a:rPr lang="en-US" dirty="0"/>
-              <a:t>Restrictions</a:t>
+              <a:t>Directive Restrictions</a:t>
             </a:r>
           </a:p>
         </p:txBody>
@@ -27230,7 +27170,6 @@
               <a:rPr lang="en-US" dirty="0"/>
               <a:t> </a:t>
             </a:r>
-            <a:endParaRPr lang="en-US" dirty="0"/>
           </a:p>
           <a:p>
             <a:pPr marL="457200" lvl="1" indent="0">
@@ -27262,7 +27201,6 @@
               <a:rPr lang="en-US" dirty="0"/>
               <a:t> </a:t>
             </a:r>
-            <a:endParaRPr lang="en-US" dirty="0"/>
           </a:p>
           <a:p>
             <a:pPr marL="457200" lvl="1" indent="0">
@@ -27294,7 +27232,6 @@
               <a:rPr lang="en-US" dirty="0"/>
               <a:t> </a:t>
             </a:r>
-            <a:endParaRPr lang="en-US" dirty="0"/>
           </a:p>
           <a:p>
             <a:pPr marL="457200" lvl="1" indent="0">
@@ -27534,6 +27471,13 @@
   <p:clrMapOvr>
     <a:masterClrMapping/>
   </p:clrMapOvr>
+  <p:timing>
+    <p:tnLst>
+      <p:par>
+        <p:cTn id="1" dur="indefinite" restart="never" nodeType="tmRoot"/>
+      </p:par>
+    </p:tnLst>
+  </p:timing>
 </p:sld>
 </file>
 
@@ -27570,9 +27514,10 @@
           <a:lstStyle/>
           <a:p>
             <a:r>
-              <a:rPr lang="en-US" dirty="0"/>
-              <a:t>$http Interceptors</a:t>
-            </a:r>
+              <a:rPr lang="en-US" dirty="0" smtClean="0"/>
+              <a:t>Day 6</a:t>
+            </a:r>
+            <a:endParaRPr lang="en-US" dirty="0"/>
           </a:p>
         </p:txBody>
       </p:sp>
@@ -27588,40 +27533,60 @@
         </p:nvSpPr>
         <p:spPr/>
         <p:txBody>
-          <a:bodyPr>
-            <a:normAutofit/>
-          </a:bodyPr>
+          <a:bodyPr/>
           <a:lstStyle/>
           <a:p>
-            <a:pPr marL="0" indent="0">
-              <a:buNone/>
-            </a:pPr>
-            <a:r>
-              <a:rPr lang="en-US" sz="2400" dirty="0"/>
-              <a:t>For purposes of global error handling, authentication, or any kind of synchronous or asynchronous pre-processing of request or </a:t>
-            </a:r>
-            <a:r>
-              <a:rPr lang="en-US" sz="2400" dirty="0" smtClean="0"/>
-              <a:t>post processing </a:t>
-            </a:r>
-            <a:r>
-              <a:rPr lang="en-US" sz="2400" dirty="0"/>
-              <a:t>of responses, it is desirable to be able to intercept requests before they are handed to the server and responses before they are handed over to the application code that initiated these requests.</a:t>
-            </a:r>
-            <a:endParaRPr lang="en-US" sz="2400" dirty="0"/>
+            <a:r>
+              <a:rPr lang="en-US" dirty="0" smtClean="0"/>
+              <a:t>Http Interceptors</a:t>
+            </a:r>
+          </a:p>
+          <a:p>
+            <a:r>
+              <a:rPr lang="en-US" dirty="0" smtClean="0"/>
+              <a:t>$watch</a:t>
+            </a:r>
+          </a:p>
+          <a:p>
+            <a:r>
+              <a:rPr lang="en-US" dirty="0" smtClean="0"/>
+              <a:t>States (</a:t>
+            </a:r>
+            <a:r>
+              <a:rPr lang="en-US" dirty="0" err="1" smtClean="0"/>
+              <a:t>ui</a:t>
+            </a:r>
+            <a:r>
+              <a:rPr lang="en-US" dirty="0" smtClean="0"/>
+              <a:t>-router)</a:t>
+            </a:r>
+          </a:p>
+          <a:p>
+            <a:r>
+              <a:rPr lang="en-US" dirty="0" smtClean="0"/>
+              <a:t>Gulp Build</a:t>
+            </a:r>
+            <a:endParaRPr lang="en-US" dirty="0"/>
           </a:p>
         </p:txBody>
       </p:sp>
     </p:spTree>
     <p:extLst>
       <p:ext uri="{BB962C8B-B14F-4D97-AF65-F5344CB8AC3E}">
-        <p14:creationId xmlns:p14="http://schemas.microsoft.com/office/powerpoint/2010/main" val="3695033287"/>
+        <p14:creationId xmlns:p14="http://schemas.microsoft.com/office/powerpoint/2010/main" val="697855064"/>
       </p:ext>
     </p:extLst>
   </p:cSld>
   <p:clrMapOvr>
     <a:masterClrMapping/>
   </p:clrMapOvr>
+  <p:timing>
+    <p:tnLst>
+      <p:par>
+        <p:cTn id="1" dur="indefinite" restart="never" nodeType="tmRoot"/>
+      </p:par>
+    </p:tnLst>
+  </p:timing>
 </p:sld>
 </file>
 
@@ -27847,6 +27812,100 @@
             <p:ph type="title"/>
           </p:nvPr>
         </p:nvSpPr>
+        <p:spPr/>
+        <p:txBody>
+          <a:bodyPr/>
+          <a:lstStyle/>
+          <a:p>
+            <a:r>
+              <a:rPr lang="en-US" dirty="0"/>
+              <a:t>$http Interceptors</a:t>
+            </a:r>
+          </a:p>
+        </p:txBody>
+      </p:sp>
+      <p:sp>
+        <p:nvSpPr>
+          <p:cNvPr id="3" name="Content Placeholder 2"/>
+          <p:cNvSpPr>
+            <a:spLocks noGrp="1"/>
+          </p:cNvSpPr>
+          <p:nvPr>
+            <p:ph idx="1"/>
+          </p:nvPr>
+        </p:nvSpPr>
+        <p:spPr/>
+        <p:txBody>
+          <a:bodyPr>
+            <a:normAutofit/>
+          </a:bodyPr>
+          <a:lstStyle/>
+          <a:p>
+            <a:pPr marL="0" indent="0">
+              <a:buNone/>
+            </a:pPr>
+            <a:r>
+              <a:rPr lang="en-US" sz="2400" dirty="0"/>
+              <a:t>For purposes of global error handling, authentication, or any kind of synchronous or asynchronous pre-processing of request or </a:t>
+            </a:r>
+            <a:r>
+              <a:rPr lang="en-US" sz="2400" dirty="0" smtClean="0"/>
+              <a:t>post processing </a:t>
+            </a:r>
+            <a:r>
+              <a:rPr lang="en-US" sz="2400" dirty="0"/>
+              <a:t>of responses, it is desirable to be able to intercept requests before they are handed to the server and responses before they are handed over to the application code that initiated these requests.</a:t>
+            </a:r>
+          </a:p>
+        </p:txBody>
+      </p:sp>
+    </p:spTree>
+    <p:extLst>
+      <p:ext uri="{BB962C8B-B14F-4D97-AF65-F5344CB8AC3E}">
+        <p14:creationId xmlns:p14="http://schemas.microsoft.com/office/powerpoint/2010/main" val="3695033287"/>
+      </p:ext>
+    </p:extLst>
+  </p:cSld>
+  <p:clrMapOvr>
+    <a:masterClrMapping/>
+  </p:clrMapOvr>
+  <p:timing>
+    <p:tnLst>
+      <p:par>
+        <p:cTn id="1" dur="indefinite" restart="never" nodeType="tmRoot"/>
+      </p:par>
+    </p:tnLst>
+  </p:timing>
+</p:sld>
+</file>
+
+<file path=ppt/slides/slide31.xml><?xml version="1.0" encoding="utf-8"?>
+<p:sld xmlns:a="http://schemas.openxmlformats.org/drawingml/2006/main" xmlns:r="http://schemas.openxmlformats.org/officeDocument/2006/relationships" xmlns:p="http://schemas.openxmlformats.org/presentationml/2006/main">
+  <p:cSld>
+    <p:spTree>
+      <p:nvGrpSpPr>
+        <p:cNvPr id="1" name=""/>
+        <p:cNvGrpSpPr/>
+        <p:nvPr/>
+      </p:nvGrpSpPr>
+      <p:grpSpPr>
+        <a:xfrm>
+          <a:off x="0" y="0"/>
+          <a:ext cx="0" cy="0"/>
+          <a:chOff x="0" y="0"/>
+          <a:chExt cx="0" cy="0"/>
+        </a:xfrm>
+      </p:grpSpPr>
+      <p:sp>
+        <p:nvSpPr>
+          <p:cNvPr id="2" name="Title 1"/>
+          <p:cNvSpPr>
+            <a:spLocks noGrp="1"/>
+          </p:cNvSpPr>
+          <p:nvPr>
+            <p:ph type="title"/>
+          </p:nvPr>
+        </p:nvSpPr>
         <p:spPr>
           <a:xfrm>
             <a:off x="990600" y="381000"/>
@@ -28109,6 +28168,588 @@
   <p:clrMapOvr>
     <a:masterClrMapping/>
   </p:clrMapOvr>
+  <p:timing>
+    <p:tnLst>
+      <p:par>
+        <p:cTn id="1" dur="indefinite" restart="never" nodeType="tmRoot"/>
+      </p:par>
+    </p:tnLst>
+  </p:timing>
+</p:sld>
+</file>
+
+<file path=ppt/slides/slide32.xml><?xml version="1.0" encoding="utf-8"?>
+<p:sld xmlns:a="http://schemas.openxmlformats.org/drawingml/2006/main" xmlns:r="http://schemas.openxmlformats.org/officeDocument/2006/relationships" xmlns:p="http://schemas.openxmlformats.org/presentationml/2006/main">
+  <p:cSld>
+    <p:spTree>
+      <p:nvGrpSpPr>
+        <p:cNvPr id="1" name=""/>
+        <p:cNvGrpSpPr/>
+        <p:nvPr/>
+      </p:nvGrpSpPr>
+      <p:grpSpPr>
+        <a:xfrm>
+          <a:off x="0" y="0"/>
+          <a:ext cx="0" cy="0"/>
+          <a:chOff x="0" y="0"/>
+          <a:chExt cx="0" cy="0"/>
+        </a:xfrm>
+      </p:grpSpPr>
+      <p:sp>
+        <p:nvSpPr>
+          <p:cNvPr id="2" name="Title 1"/>
+          <p:cNvSpPr>
+            <a:spLocks noGrp="1"/>
+          </p:cNvSpPr>
+          <p:nvPr>
+            <p:ph type="title"/>
+          </p:nvPr>
+        </p:nvSpPr>
+        <p:spPr/>
+        <p:txBody>
+          <a:bodyPr/>
+          <a:lstStyle/>
+          <a:p>
+            <a:r>
+              <a:rPr lang="en-US" dirty="0" smtClean="0"/>
+              <a:t>$watch (Watchers)</a:t>
+            </a:r>
+            <a:endParaRPr lang="en-US" dirty="0"/>
+          </a:p>
+        </p:txBody>
+      </p:sp>
+      <p:sp>
+        <p:nvSpPr>
+          <p:cNvPr id="3" name="Content Placeholder 2"/>
+          <p:cNvSpPr>
+            <a:spLocks noGrp="1"/>
+          </p:cNvSpPr>
+          <p:nvPr>
+            <p:ph idx="1"/>
+          </p:nvPr>
+        </p:nvSpPr>
+        <p:spPr/>
+        <p:txBody>
+          <a:bodyPr>
+            <a:normAutofit/>
+          </a:bodyPr>
+          <a:lstStyle/>
+          <a:p>
+            <a:pPr marL="0" indent="0">
+              <a:buNone/>
+            </a:pPr>
+            <a:r>
+              <a:rPr lang="en-US" sz="2800" dirty="0"/>
+              <a:t>$watch</a:t>
+            </a:r>
+            <a:r>
+              <a:rPr lang="en-US" sz="2800" dirty="0"/>
+              <a:t> provides us with a way to keep calculated values up to date when the values that they depend on change.</a:t>
+            </a:r>
+            <a:endParaRPr lang="en-US" sz="2800" dirty="0"/>
+          </a:p>
+        </p:txBody>
+      </p:sp>
+    </p:spTree>
+    <p:extLst>
+      <p:ext uri="{BB962C8B-B14F-4D97-AF65-F5344CB8AC3E}">
+        <p14:creationId xmlns:p14="http://schemas.microsoft.com/office/powerpoint/2010/main" val="3810720335"/>
+      </p:ext>
+    </p:extLst>
+  </p:cSld>
+  <p:clrMapOvr>
+    <a:masterClrMapping/>
+  </p:clrMapOvr>
+</p:sld>
+</file>
+
+<file path=ppt/slides/slide33.xml><?xml version="1.0" encoding="utf-8"?>
+<p:sld xmlns:a="http://schemas.openxmlformats.org/drawingml/2006/main" xmlns:r="http://schemas.openxmlformats.org/officeDocument/2006/relationships" xmlns:p="http://schemas.openxmlformats.org/presentationml/2006/main">
+  <p:cSld>
+    <p:spTree>
+      <p:nvGrpSpPr>
+        <p:cNvPr id="1" name=""/>
+        <p:cNvGrpSpPr/>
+        <p:nvPr/>
+      </p:nvGrpSpPr>
+      <p:grpSpPr>
+        <a:xfrm>
+          <a:off x="0" y="0"/>
+          <a:ext cx="0" cy="0"/>
+          <a:chOff x="0" y="0"/>
+          <a:chExt cx="0" cy="0"/>
+        </a:xfrm>
+      </p:grpSpPr>
+      <p:sp>
+        <p:nvSpPr>
+          <p:cNvPr id="2" name="Title 1"/>
+          <p:cNvSpPr>
+            <a:spLocks noGrp="1"/>
+          </p:cNvSpPr>
+          <p:nvPr>
+            <p:ph type="title"/>
+          </p:nvPr>
+        </p:nvSpPr>
+        <p:spPr/>
+        <p:txBody>
+          <a:bodyPr/>
+          <a:lstStyle/>
+          <a:p>
+            <a:r>
+              <a:rPr lang="en-US" dirty="0" smtClean="0"/>
+              <a:t>States (UI-Router)</a:t>
+            </a:r>
+            <a:endParaRPr lang="en-US" dirty="0"/>
+          </a:p>
+        </p:txBody>
+      </p:sp>
+      <p:sp>
+        <p:nvSpPr>
+          <p:cNvPr id="3" name="Content Placeholder 2"/>
+          <p:cNvSpPr>
+            <a:spLocks noGrp="1"/>
+          </p:cNvSpPr>
+          <p:nvPr>
+            <p:ph idx="1"/>
+          </p:nvPr>
+        </p:nvSpPr>
+        <p:spPr/>
+        <p:txBody>
+          <a:bodyPr>
+            <a:normAutofit lnSpcReduction="10000"/>
+          </a:bodyPr>
+          <a:lstStyle/>
+          <a:p>
+            <a:r>
+              <a:rPr lang="en-US" dirty="0"/>
+              <a:t>Angular UI-Router is a client-side Single Page Application routing framework for AngularJS.</a:t>
+            </a:r>
+          </a:p>
+          <a:p>
+            <a:endParaRPr lang="en-US" dirty="0"/>
+          </a:p>
+          <a:p>
+            <a:r>
+              <a:rPr lang="en-US" dirty="0"/>
+              <a:t>Routing frameworks for SPAs update the browser's URL as the user navigates through the app. Conversely, this allows changes to the browser's URL to drive navigation through the app, thus allowing the user to create a bookmark to a location deep within the SPA.</a:t>
+            </a:r>
+          </a:p>
+          <a:p>
+            <a:endParaRPr lang="en-US" dirty="0"/>
+          </a:p>
+          <a:p>
+            <a:r>
+              <a:rPr lang="en-US" dirty="0"/>
+              <a:t>UI-Router applications are modeled as a hierarchical tree of states. UI-Router provides a state machine to manage the transitions between those application states in a transaction-like manner.</a:t>
+            </a:r>
+          </a:p>
+        </p:txBody>
+      </p:sp>
+    </p:spTree>
+    <p:extLst>
+      <p:ext uri="{BB962C8B-B14F-4D97-AF65-F5344CB8AC3E}">
+        <p14:creationId xmlns:p14="http://schemas.microsoft.com/office/powerpoint/2010/main" val="3873559405"/>
+      </p:ext>
+    </p:extLst>
+  </p:cSld>
+  <p:clrMapOvr>
+    <a:masterClrMapping/>
+  </p:clrMapOvr>
+</p:sld>
+</file>
+
+<file path=ppt/slides/slide34.xml><?xml version="1.0" encoding="utf-8"?>
+<p:sld xmlns:a="http://schemas.openxmlformats.org/drawingml/2006/main" xmlns:r="http://schemas.openxmlformats.org/officeDocument/2006/relationships" xmlns:p="http://schemas.openxmlformats.org/presentationml/2006/main">
+  <p:cSld>
+    <p:spTree>
+      <p:nvGrpSpPr>
+        <p:cNvPr id="1" name=""/>
+        <p:cNvGrpSpPr/>
+        <p:nvPr/>
+      </p:nvGrpSpPr>
+      <p:grpSpPr>
+        <a:xfrm>
+          <a:off x="0" y="0"/>
+          <a:ext cx="0" cy="0"/>
+          <a:chOff x="0" y="0"/>
+          <a:chExt cx="0" cy="0"/>
+        </a:xfrm>
+      </p:grpSpPr>
+      <p:sp>
+        <p:nvSpPr>
+          <p:cNvPr id="2" name="Title 1"/>
+          <p:cNvSpPr>
+            <a:spLocks noGrp="1"/>
+          </p:cNvSpPr>
+          <p:nvPr>
+            <p:ph type="title"/>
+          </p:nvPr>
+        </p:nvSpPr>
+        <p:spPr/>
+        <p:txBody>
+          <a:bodyPr/>
+          <a:lstStyle/>
+          <a:p>
+            <a:r>
+              <a:rPr lang="en-US" dirty="0" smtClean="0"/>
+              <a:t>Gulp – Tasks Automation</a:t>
+            </a:r>
+            <a:endParaRPr lang="en-US" dirty="0"/>
+          </a:p>
+        </p:txBody>
+      </p:sp>
+      <p:sp>
+        <p:nvSpPr>
+          <p:cNvPr id="3" name="Content Placeholder 2"/>
+          <p:cNvSpPr>
+            <a:spLocks noGrp="1"/>
+          </p:cNvSpPr>
+          <p:nvPr>
+            <p:ph idx="1"/>
+          </p:nvPr>
+        </p:nvSpPr>
+        <p:spPr>
+          <a:xfrm>
+            <a:off x="1009443" y="1807361"/>
+            <a:ext cx="7125112" cy="4669639"/>
+          </a:xfrm>
+        </p:spPr>
+        <p:txBody>
+          <a:bodyPr>
+            <a:normAutofit fontScale="92500" lnSpcReduction="20000"/>
+          </a:bodyPr>
+          <a:lstStyle/>
+          <a:p>
+            <a:pPr marL="0" indent="0">
+              <a:buNone/>
+            </a:pPr>
+            <a:r>
+              <a:rPr lang="en-US" b="1" dirty="0"/>
+              <a:t>gulp</a:t>
+            </a:r>
+            <a:r>
+              <a:rPr lang="en-US" dirty="0"/>
+              <a:t> is a toolkit for automating painful or time-consuming tasks in your development workflow, so you can stop messing around and build </a:t>
+            </a:r>
+            <a:r>
+              <a:rPr lang="en-US" dirty="0" smtClean="0"/>
+              <a:t>something</a:t>
+            </a:r>
+          </a:p>
+          <a:p>
+            <a:pPr marL="0" indent="0">
+              <a:buNone/>
+            </a:pPr>
+            <a:endParaRPr lang="en-US" dirty="0" smtClean="0"/>
+          </a:p>
+          <a:p>
+            <a:pPr marL="0" indent="0">
+              <a:buNone/>
+            </a:pPr>
+            <a:r>
+              <a:rPr lang="en-US" dirty="0" smtClean="0"/>
+              <a:t>Basic Tasks may include :</a:t>
+            </a:r>
+            <a:endParaRPr lang="en-US" dirty="0"/>
+          </a:p>
+          <a:p>
+            <a:r>
+              <a:rPr lang="en-US" dirty="0"/>
+              <a:t>generating HTML from templates and content files</a:t>
+            </a:r>
+          </a:p>
+          <a:p>
+            <a:r>
+              <a:rPr lang="en-US" dirty="0"/>
+              <a:t>compressing new and modified images</a:t>
+            </a:r>
+          </a:p>
+          <a:p>
+            <a:r>
+              <a:rPr lang="en-US" dirty="0"/>
+              <a:t>compiling </a:t>
+            </a:r>
+            <a:r>
+              <a:rPr lang="en-US" dirty="0" smtClean="0"/>
+              <a:t>Sass/less </a:t>
+            </a:r>
+            <a:r>
+              <a:rPr lang="en-US" dirty="0"/>
+              <a:t>to CSS code</a:t>
+            </a:r>
+          </a:p>
+          <a:p>
+            <a:r>
+              <a:rPr lang="en-US" dirty="0"/>
+              <a:t>removing console and debugger statements from scripts</a:t>
+            </a:r>
+          </a:p>
+          <a:p>
+            <a:r>
+              <a:rPr lang="en-US" dirty="0" err="1"/>
+              <a:t>T</a:t>
+            </a:r>
+            <a:r>
+              <a:rPr lang="en-US" dirty="0" err="1" smtClean="0"/>
+              <a:t>ranspiling</a:t>
+            </a:r>
+            <a:r>
+              <a:rPr lang="en-US" dirty="0" smtClean="0"/>
+              <a:t> </a:t>
+            </a:r>
+            <a:r>
+              <a:rPr lang="en-US" dirty="0"/>
+              <a:t>ES6 to cross-browser-compatible ES5 code</a:t>
+            </a:r>
+          </a:p>
+          <a:p>
+            <a:r>
+              <a:rPr lang="en-US" dirty="0"/>
+              <a:t>C</a:t>
+            </a:r>
+            <a:r>
+              <a:rPr lang="en-US" dirty="0" smtClean="0"/>
+              <a:t>ode </a:t>
+            </a:r>
+            <a:r>
+              <a:rPr lang="en-US" dirty="0" err="1"/>
+              <a:t>linting</a:t>
+            </a:r>
+            <a:r>
+              <a:rPr lang="en-US" dirty="0"/>
+              <a:t> and validation</a:t>
+            </a:r>
+          </a:p>
+          <a:p>
+            <a:r>
+              <a:rPr lang="en-US" dirty="0"/>
+              <a:t>C</a:t>
+            </a:r>
+            <a:r>
+              <a:rPr lang="en-US" dirty="0" smtClean="0"/>
+              <a:t>oncatenating </a:t>
+            </a:r>
+            <a:r>
+              <a:rPr lang="en-US" dirty="0"/>
+              <a:t>and minifying CSS and JavaScript files</a:t>
+            </a:r>
+          </a:p>
+          <a:p>
+            <a:r>
+              <a:rPr lang="en-US" dirty="0"/>
+              <a:t>deploying files to development, staging and production servers</a:t>
+            </a:r>
+          </a:p>
+          <a:p>
+            <a:pPr marL="0" indent="0">
+              <a:buNone/>
+            </a:pPr>
+            <a:endParaRPr lang="en-US" dirty="0" smtClean="0"/>
+          </a:p>
+          <a:p>
+            <a:endParaRPr lang="en-US" dirty="0"/>
+          </a:p>
+        </p:txBody>
+      </p:sp>
+    </p:spTree>
+    <p:extLst>
+      <p:ext uri="{BB962C8B-B14F-4D97-AF65-F5344CB8AC3E}">
+        <p14:creationId xmlns:p14="http://schemas.microsoft.com/office/powerpoint/2010/main" val="3853383886"/>
+      </p:ext>
+    </p:extLst>
+  </p:cSld>
+  <p:clrMapOvr>
+    <a:masterClrMapping/>
+  </p:clrMapOvr>
+</p:sld>
+</file>
+
+<file path=ppt/slides/slide35.xml><?xml version="1.0" encoding="utf-8"?>
+<p:sld xmlns:a="http://schemas.openxmlformats.org/drawingml/2006/main" xmlns:r="http://schemas.openxmlformats.org/officeDocument/2006/relationships" xmlns:p="http://schemas.openxmlformats.org/presentationml/2006/main">
+  <p:cSld>
+    <p:spTree>
+      <p:nvGrpSpPr>
+        <p:cNvPr id="1" name=""/>
+        <p:cNvGrpSpPr/>
+        <p:nvPr/>
+      </p:nvGrpSpPr>
+      <p:grpSpPr>
+        <a:xfrm>
+          <a:off x="0" y="0"/>
+          <a:ext cx="0" cy="0"/>
+          <a:chOff x="0" y="0"/>
+          <a:chExt cx="0" cy="0"/>
+        </a:xfrm>
+      </p:grpSpPr>
+      <p:sp>
+        <p:nvSpPr>
+          <p:cNvPr id="2" name="Title 1"/>
+          <p:cNvSpPr>
+            <a:spLocks noGrp="1"/>
+          </p:cNvSpPr>
+          <p:nvPr>
+            <p:ph type="title"/>
+          </p:nvPr>
+        </p:nvSpPr>
+        <p:spPr>
+          <a:xfrm>
+            <a:off x="2895600" y="1676400"/>
+            <a:ext cx="7125113" cy="924475"/>
+          </a:xfrm>
+        </p:spPr>
+        <p:txBody>
+          <a:bodyPr/>
+          <a:lstStyle/>
+          <a:p>
+            <a:r>
+              <a:rPr lang="en-US" dirty="0" smtClean="0"/>
+              <a:t>Thank You</a:t>
+            </a:r>
+            <a:endParaRPr lang="en-US" dirty="0"/>
+          </a:p>
+        </p:txBody>
+      </p:sp>
+      <p:sp>
+        <p:nvSpPr>
+          <p:cNvPr id="4" name="Title 1"/>
+          <p:cNvSpPr txBox="1">
+            <a:spLocks/>
+          </p:cNvSpPr>
+          <p:nvPr/>
+        </p:nvSpPr>
+        <p:spPr>
+          <a:xfrm>
+            <a:off x="1447800" y="5029200"/>
+            <a:ext cx="7125113" cy="1219200"/>
+          </a:xfrm>
+          <a:prstGeom prst="rect">
+            <a:avLst/>
+          </a:prstGeom>
+        </p:spPr>
+        <p:txBody>
+          <a:bodyPr vert="horz" lIns="91440" tIns="45720" rIns="91440" bIns="45720" rtlCol="0" anchor="ctr">
+            <a:noAutofit/>
+          </a:bodyPr>
+          <a:lstStyle>
+            <a:lvl1pPr algn="l" defTabSz="457200" rtl="0" eaLnBrk="1" latinLnBrk="0" hangingPunct="1">
+              <a:spcBef>
+                <a:spcPct val="0"/>
+              </a:spcBef>
+              <a:buNone/>
+              <a:defRPr sz="3200" kern="1200">
+                <a:solidFill>
+                  <a:schemeClr val="tx1"/>
+                </a:solidFill>
+                <a:latin typeface="+mj-lt"/>
+                <a:ea typeface="+mj-ea"/>
+                <a:cs typeface="Trebuchet MS"/>
+              </a:defRPr>
+            </a:lvl1pPr>
+            <a:lvl2pPr eaLnBrk="1" hangingPunct="1">
+              <a:defRPr>
+                <a:solidFill>
+                  <a:schemeClr val="tx2"/>
+                </a:solidFill>
+              </a:defRPr>
+            </a:lvl2pPr>
+            <a:lvl3pPr eaLnBrk="1" hangingPunct="1">
+              <a:defRPr>
+                <a:solidFill>
+                  <a:schemeClr val="tx2"/>
+                </a:solidFill>
+              </a:defRPr>
+            </a:lvl3pPr>
+            <a:lvl4pPr eaLnBrk="1" hangingPunct="1">
+              <a:defRPr>
+                <a:solidFill>
+                  <a:schemeClr val="tx2"/>
+                </a:solidFill>
+              </a:defRPr>
+            </a:lvl4pPr>
+            <a:lvl5pPr eaLnBrk="1" hangingPunct="1">
+              <a:defRPr>
+                <a:solidFill>
+                  <a:schemeClr val="tx2"/>
+                </a:solidFill>
+              </a:defRPr>
+            </a:lvl5pPr>
+            <a:lvl6pPr eaLnBrk="1" hangingPunct="1">
+              <a:defRPr>
+                <a:solidFill>
+                  <a:schemeClr val="tx2"/>
+                </a:solidFill>
+              </a:defRPr>
+            </a:lvl6pPr>
+            <a:lvl7pPr eaLnBrk="1" hangingPunct="1">
+              <a:defRPr>
+                <a:solidFill>
+                  <a:schemeClr val="tx2"/>
+                </a:solidFill>
+              </a:defRPr>
+            </a:lvl7pPr>
+            <a:lvl8pPr eaLnBrk="1" hangingPunct="1">
+              <a:defRPr>
+                <a:solidFill>
+                  <a:schemeClr val="tx2"/>
+                </a:solidFill>
+              </a:defRPr>
+            </a:lvl8pPr>
+            <a:lvl9pPr eaLnBrk="1" hangingPunct="1">
+              <a:defRPr>
+                <a:solidFill>
+                  <a:schemeClr val="tx2"/>
+                </a:solidFill>
+              </a:defRPr>
+            </a:lvl9pPr>
+          </a:lstStyle>
+          <a:p>
+            <a:r>
+              <a:rPr lang="en-US" sz="1800" dirty="0" smtClean="0"/>
+              <a:t>Sunil Kumar</a:t>
+            </a:r>
+          </a:p>
+          <a:p>
+            <a:r>
+              <a:rPr lang="en-US" sz="1800" dirty="0" smtClean="0"/>
+              <a:t>Email: 	skumar229@sapient.com, </a:t>
+            </a:r>
+          </a:p>
+          <a:p>
+            <a:r>
+              <a:rPr lang="en-US" sz="1800" dirty="0"/>
+              <a:t>	</a:t>
+            </a:r>
+            <a:r>
+              <a:rPr lang="en-US" sz="1800" dirty="0" smtClean="0"/>
+              <a:t>	sunil.divyam@gmail.com</a:t>
+            </a:r>
+          </a:p>
+          <a:p>
+            <a:r>
+              <a:rPr lang="en-US" sz="1800" dirty="0" smtClean="0"/>
+              <a:t>Mob: 9910129602</a:t>
+            </a:r>
+            <a:endParaRPr lang="en-US" sz="1800" dirty="0"/>
+          </a:p>
+        </p:txBody>
+      </p:sp>
+    </p:spTree>
+    <p:extLst>
+      <p:ext uri="{BB962C8B-B14F-4D97-AF65-F5344CB8AC3E}">
+        <p14:creationId xmlns:p14="http://schemas.microsoft.com/office/powerpoint/2010/main" val="2529672722"/>
+      </p:ext>
+    </p:extLst>
+  </p:cSld>
+  <p:clrMapOvr>
+    <a:masterClrMapping/>
+  </p:clrMapOvr>
+  <p:timing>
+    <p:tnLst>
+      <p:par>
+        <p:cTn id="1" dur="indefinite" restart="never" nodeType="tmRoot"/>
+      </p:par>
+    </p:tnLst>
+  </p:timing>
 </p:sld>
 </file>
 
